--- a/docs/C# Quo vadis v2.pptx
+++ b/docs/C# Quo vadis v2.pptx
@@ -5,17 +5,17 @@
     <p:sldMasterId id="2147483648" r:id="rId1"/>
   </p:sldMasterIdLst>
   <p:notesMasterIdLst>
-    <p:notesMasterId r:id="rId23"/>
+    <p:notesMasterId r:id="rId21"/>
   </p:notesMasterIdLst>
   <p:sldIdLst>
     <p:sldId id="256" r:id="rId2"/>
     <p:sldId id="257" r:id="rId3"/>
-    <p:sldId id="259" r:id="rId4"/>
-    <p:sldId id="261" r:id="rId5"/>
-    <p:sldId id="263" r:id="rId6"/>
-    <p:sldId id="264" r:id="rId7"/>
-    <p:sldId id="265" r:id="rId8"/>
-    <p:sldId id="274" r:id="rId9"/>
+    <p:sldId id="277" r:id="rId4"/>
+    <p:sldId id="259" r:id="rId5"/>
+    <p:sldId id="261" r:id="rId6"/>
+    <p:sldId id="263" r:id="rId7"/>
+    <p:sldId id="264" r:id="rId8"/>
+    <p:sldId id="265" r:id="rId9"/>
     <p:sldId id="266" r:id="rId10"/>
     <p:sldId id="267" r:id="rId11"/>
     <p:sldId id="268" r:id="rId12"/>
@@ -26,9 +26,7 @@
     <p:sldId id="273" r:id="rId17"/>
     <p:sldId id="275" r:id="rId18"/>
     <p:sldId id="276" r:id="rId19"/>
-    <p:sldId id="258" r:id="rId20"/>
-    <p:sldId id="262" r:id="rId21"/>
-    <p:sldId id="260" r:id="rId22"/>
+    <p:sldId id="260" r:id="rId20"/>
   </p:sldIdLst>
   <p:sldSz cx="9144000" cy="5143500" type="screen16x9"/>
   <p:notesSz cx="6858000" cy="9144000"/>
@@ -129,7 +127,7 @@
   </p:defaultTextStyle>
   <p:extLst>
     <p:ext uri="{EFAFB233-063F-42B5-8137-9DF3F51BA10A}">
-      <p15:sldGuideLst xmlns:p15="http://schemas.microsoft.com/office/powerpoint/2012/main" xmlns="">
+      <p15:sldGuideLst xmlns:p15="http://schemas.microsoft.com/office/powerpoint/2012/main">
         <p15:guide id="1" orient="horz" pos="1620">
           <p15:clr>
             <a:srgbClr val="A4A3A4"/>
@@ -560,7 +558,7 @@
           <a:p>
             <a:fld id="{87350B06-B074-48FC-8CFD-53D2CD8FB95F}" type="slidenum">
               <a:rPr lang="en-US" smtClean="0"/>
-              <a:t>21</a:t>
+              <a:t>19</a:t>
             </a:fld>
             <a:endParaRPr lang="en-US"/>
           </a:p>
@@ -1459,7 +1457,7 @@
           <p:cNvPr id="7" name="Picture 6" descr="E:\websites\free-power-point-templates\2012\logos.png">
             <a:extLst>
               <a:ext uri="{FF2B5EF4-FFF2-40B4-BE49-F238E27FC236}">
-                <a16:creationId xmlns:a16="http://schemas.microsoft.com/office/drawing/2014/main" xmlns="" id="{08B89D22-1D6E-450B-881F-4D2A4C527F72}"/>
+                <a16:creationId xmlns:a16="http://schemas.microsoft.com/office/drawing/2014/main" id="{08B89D22-1D6E-450B-881F-4D2A4C527F72}"/>
               </a:ext>
             </a:extLst>
           </p:cNvPr>
@@ -3829,7 +3827,7 @@
           <p:cNvPr id="7" name="TextBox 6">
             <a:extLst>
               <a:ext uri="{FF2B5EF4-FFF2-40B4-BE49-F238E27FC236}">
-                <a16:creationId xmlns:a16="http://schemas.microsoft.com/office/drawing/2014/main" xmlns="" id="{11E867DF-3DCA-4725-94F0-F2B6BD747A82}"/>
+                <a16:creationId xmlns:a16="http://schemas.microsoft.com/office/drawing/2014/main" id="{11E867DF-3DCA-4725-94F0-F2B6BD747A82}"/>
               </a:ext>
             </a:extLst>
           </p:cNvPr>
@@ -4187,15 +4185,15 @@
           <a:lstStyle/>
           <a:p>
             <a:r>
-              <a:rPr lang="pl-PL" sz="4400" dirty="0" smtClean="0"/>
+              <a:rPr lang="pl-PL" sz="4400" dirty="0"/>
               <a:t>Quo </a:t>
             </a:r>
             <a:r>
-              <a:rPr lang="pl-PL" sz="4400" dirty="0" err="1" smtClean="0"/>
+              <a:rPr lang="pl-PL" sz="4400" dirty="0" err="1"/>
               <a:t>vadis</a:t>
             </a:r>
             <a:r>
-              <a:rPr lang="pl-PL" sz="4400" dirty="0" smtClean="0"/>
+              <a:rPr lang="pl-PL" sz="4400" dirty="0"/>
               <a:t> C# ?</a:t>
             </a:r>
             <a:endParaRPr lang="en-US" sz="4400" dirty="0"/>
@@ -4250,7 +4248,7 @@
           <a:lstStyle/>
           <a:p>
             <a:r>
-              <a:rPr lang="pl-PL" dirty="0" smtClean="0"/>
+              <a:rPr lang="pl-PL" dirty="0"/>
               <a:t>C# 2.0 (Visual Studio 2005)</a:t>
             </a:r>
             <a:endParaRPr lang="en-US" dirty="0"/>
@@ -4275,7 +4273,7 @@
           <a:lstStyle/>
           <a:p>
             <a:r>
-              <a:rPr lang="pl-PL" dirty="0" err="1" smtClean="0">
+              <a:rPr lang="pl-PL" dirty="0" err="1">
                 <a:solidFill>
                   <a:srgbClr val="C00000"/>
                 </a:solidFill>
@@ -4283,7 +4281,7 @@
               <a:t>Generics</a:t>
             </a:r>
             <a:r>
-              <a:rPr lang="pl-PL" dirty="0" smtClean="0">
+              <a:rPr lang="pl-PL" dirty="0">
                 <a:solidFill>
                   <a:srgbClr val="C00000"/>
                 </a:solidFill>
@@ -4293,16 +4291,16 @@
           </a:p>
           <a:p>
             <a:r>
-              <a:rPr lang="pl-PL" dirty="0" err="1" smtClean="0"/>
+              <a:rPr lang="pl-PL" dirty="0" err="1"/>
               <a:t>Iterators</a:t>
             </a:r>
-            <a:endParaRPr lang="pl-PL" dirty="0" smtClean="0"/>
+            <a:endParaRPr lang="pl-PL" dirty="0"/>
           </a:p>
           <a:p>
             <a:pPr marL="0" indent="0">
               <a:buNone/>
             </a:pPr>
-            <a:endParaRPr lang="pl-PL" i="1" dirty="0" smtClean="0">
+            <a:endParaRPr lang="pl-PL" i="1" dirty="0">
               <a:solidFill>
                 <a:schemeClr val="accent2"/>
               </a:solidFill>
@@ -4368,7 +4366,7 @@
           <a:lstStyle/>
           <a:p>
             <a:r>
-              <a:rPr lang="pl-PL" dirty="0" smtClean="0"/>
+              <a:rPr lang="pl-PL" dirty="0"/>
               <a:t>C# 3.0 (Visual Studio 2008)</a:t>
             </a:r>
             <a:endParaRPr lang="en-US" dirty="0"/>
@@ -4393,7 +4391,7 @@
           <a:lstStyle/>
           <a:p>
             <a:r>
-              <a:rPr lang="pl-PL" dirty="0" smtClean="0">
+              <a:rPr lang="pl-PL" dirty="0">
                 <a:solidFill>
                   <a:srgbClr val="C00000"/>
                 </a:solidFill>
@@ -4401,7 +4399,7 @@
               <a:t>LINQ (DSL – </a:t>
             </a:r>
             <a:r>
-              <a:rPr lang="pl-PL" dirty="0" err="1" smtClean="0">
+              <a:rPr lang="pl-PL" dirty="0" err="1">
                 <a:solidFill>
                   <a:srgbClr val="C00000"/>
                 </a:solidFill>
@@ -4409,7 +4407,7 @@
               <a:t>Domain</a:t>
             </a:r>
             <a:r>
-              <a:rPr lang="pl-PL" dirty="0" smtClean="0">
+              <a:rPr lang="pl-PL" dirty="0">
                 <a:solidFill>
                   <a:srgbClr val="C00000"/>
                 </a:solidFill>
@@ -4422,120 +4420,112 @@
                   <a:srgbClr val="C00000"/>
                 </a:solidFill>
               </a:rPr>
-              <a:t>S</a:t>
-            </a:r>
-            <a:r>
-              <a:rPr lang="pl-PL" dirty="0" err="1" smtClean="0">
+              <a:t>Specific</a:t>
+            </a:r>
+            <a:r>
+              <a:rPr lang="pl-PL" dirty="0">
                 <a:solidFill>
                   <a:srgbClr val="C00000"/>
                 </a:solidFill>
               </a:rPr>
-              <a:t>pecific</a:t>
-            </a:r>
-            <a:r>
-              <a:rPr lang="pl-PL" dirty="0" smtClean="0">
-                <a:solidFill>
-                  <a:srgbClr val="C00000"/>
-                </a:solidFill>
-              </a:rPr>
               <a:t> Language)</a:t>
             </a:r>
           </a:p>
           <a:p>
             <a:pPr lvl="1"/>
             <a:r>
-              <a:rPr lang="pl-PL" dirty="0" smtClean="0"/>
+              <a:rPr lang="pl-PL" dirty="0"/>
               <a:t>Query </a:t>
             </a:r>
             <a:r>
-              <a:rPr lang="pl-PL" dirty="0" err="1" smtClean="0"/>
+              <a:rPr lang="pl-PL" dirty="0" err="1"/>
               <a:t>expressions</a:t>
             </a:r>
-            <a:endParaRPr lang="pl-PL" dirty="0" smtClean="0"/>
+            <a:endParaRPr lang="pl-PL" dirty="0"/>
           </a:p>
           <a:p>
             <a:pPr lvl="1"/>
             <a:r>
-              <a:rPr lang="pl-PL" dirty="0" err="1" smtClean="0"/>
+              <a:rPr lang="pl-PL" dirty="0" err="1"/>
               <a:t>Anonymous</a:t>
             </a:r>
             <a:r>
-              <a:rPr lang="pl-PL" dirty="0" smtClean="0"/>
+              <a:rPr lang="pl-PL" dirty="0"/>
               <a:t> </a:t>
             </a:r>
             <a:r>
-              <a:rPr lang="pl-PL" dirty="0" err="1" smtClean="0"/>
+              <a:rPr lang="pl-PL" dirty="0" err="1"/>
               <a:t>types</a:t>
             </a:r>
-            <a:endParaRPr lang="pl-PL" dirty="0" smtClean="0"/>
+            <a:endParaRPr lang="pl-PL" dirty="0"/>
           </a:p>
           <a:p>
             <a:pPr lvl="1"/>
             <a:r>
-              <a:rPr lang="pl-PL" dirty="0" err="1" smtClean="0"/>
+              <a:rPr lang="pl-PL" dirty="0" err="1"/>
               <a:t>Implicitly</a:t>
             </a:r>
             <a:r>
-              <a:rPr lang="pl-PL" dirty="0" smtClean="0"/>
+              <a:rPr lang="pl-PL" dirty="0"/>
               <a:t> </a:t>
             </a:r>
             <a:r>
-              <a:rPr lang="pl-PL" dirty="0" err="1" smtClean="0"/>
+              <a:rPr lang="pl-PL" dirty="0" err="1"/>
               <a:t>typed</a:t>
             </a:r>
             <a:r>
-              <a:rPr lang="pl-PL" dirty="0" smtClean="0"/>
+              <a:rPr lang="pl-PL" dirty="0"/>
               <a:t> </a:t>
             </a:r>
             <a:r>
-              <a:rPr lang="pl-PL" dirty="0" err="1" smtClean="0"/>
+              <a:rPr lang="pl-PL" dirty="0" err="1"/>
               <a:t>local</a:t>
             </a:r>
             <a:r>
-              <a:rPr lang="pl-PL" dirty="0" smtClean="0"/>
+              <a:rPr lang="pl-PL" dirty="0"/>
               <a:t> </a:t>
             </a:r>
             <a:r>
-              <a:rPr lang="pl-PL" dirty="0" err="1" smtClean="0"/>
+              <a:rPr lang="pl-PL" dirty="0" err="1"/>
               <a:t>variables</a:t>
             </a:r>
             <a:r>
-              <a:rPr lang="pl-PL" dirty="0" smtClean="0"/>
+              <a:rPr lang="pl-PL" dirty="0"/>
               <a:t> (</a:t>
             </a:r>
             <a:r>
-              <a:rPr lang="pl-PL" dirty="0" err="1" smtClean="0"/>
+              <a:rPr lang="pl-PL" dirty="0" err="1"/>
               <a:t>var</a:t>
             </a:r>
             <a:r>
-              <a:rPr lang="pl-PL" dirty="0" smtClean="0"/>
+              <a:rPr lang="pl-PL" dirty="0"/>
               <a:t>!)</a:t>
             </a:r>
           </a:p>
           <a:p>
             <a:r>
-              <a:rPr lang="pl-PL" dirty="0" smtClean="0"/>
+              <a:rPr lang="pl-PL" dirty="0"/>
               <a:t>Object and </a:t>
             </a:r>
             <a:r>
-              <a:rPr lang="pl-PL" dirty="0" err="1" smtClean="0"/>
+              <a:rPr lang="pl-PL" dirty="0" err="1"/>
               <a:t>collection</a:t>
             </a:r>
             <a:r>
-              <a:rPr lang="pl-PL" dirty="0" smtClean="0"/>
+              <a:rPr lang="pl-PL" dirty="0"/>
               <a:t> </a:t>
             </a:r>
             <a:r>
-              <a:rPr lang="pl-PL" dirty="0" err="1" smtClean="0"/>
+              <a:rPr lang="pl-PL" dirty="0" err="1"/>
               <a:t>initializers</a:t>
             </a:r>
-            <a:endParaRPr lang="pl-PL" dirty="0" smtClean="0"/>
+            <a:endParaRPr lang="pl-PL" dirty="0"/>
           </a:p>
           <a:p>
             <a:pPr marL="0" indent="0">
               <a:buNone/>
             </a:pPr>
-            <a:endParaRPr lang="pl-PL" i="1" dirty="0" smtClean="0">
+            <a:endParaRPr lang="pl-PL" i="1" dirty="0">
               <a:solidFill>
                 <a:schemeClr val="accent2"/>
               </a:solidFill>
@@ -4601,7 +4591,7 @@
           <a:lstStyle/>
           <a:p>
             <a:r>
-              <a:rPr lang="pl-PL" dirty="0" smtClean="0"/>
+              <a:rPr lang="pl-PL" dirty="0"/>
               <a:t>C# 4.0 (Visual Studio 2010)</a:t>
             </a:r>
             <a:endParaRPr lang="en-US" dirty="0"/>
@@ -4626,14 +4616,14 @@
           <a:lstStyle/>
           <a:p>
             <a:r>
-              <a:rPr lang="pl-PL" dirty="0" err="1" smtClean="0">
+              <a:rPr lang="pl-PL" dirty="0" err="1">
                 <a:solidFill>
                   <a:srgbClr val="C00000"/>
                 </a:solidFill>
               </a:rPr>
               <a:t>Dynamic</a:t>
             </a:r>
-            <a:endParaRPr lang="pl-PL" dirty="0" smtClean="0">
+            <a:endParaRPr lang="pl-PL" dirty="0">
               <a:solidFill>
                 <a:srgbClr val="C00000"/>
               </a:solidFill>
@@ -4641,24 +4631,20 @@
           </a:p>
           <a:p>
             <a:r>
-              <a:rPr lang="pl-PL" dirty="0" err="1" smtClean="0"/>
+              <a:rPr lang="pl-PL" dirty="0" err="1"/>
               <a:t>Generic</a:t>
             </a:r>
             <a:r>
-              <a:rPr lang="pl-PL" dirty="0" smtClean="0"/>
+              <a:rPr lang="pl-PL" dirty="0"/>
               <a:t> </a:t>
             </a:r>
             <a:r>
-              <a:rPr lang="pl-PL" dirty="0" err="1" smtClean="0"/>
+              <a:rPr lang="pl-PL" dirty="0" err="1"/>
               <a:t>Covariance</a:t>
             </a:r>
             <a:r>
-              <a:rPr lang="pl-PL" dirty="0" smtClean="0"/>
-              <a:t> </a:t>
-            </a:r>
-            <a:r>
               <a:rPr lang="pl-PL" dirty="0"/>
-              <a:t>&amp; </a:t>
+              <a:t> &amp; </a:t>
             </a:r>
             <a:r>
               <a:rPr lang="pl-PL" dirty="0" err="1"/>
@@ -4667,13 +4653,13 @@
             <a:endParaRPr lang="pl-PL" dirty="0"/>
           </a:p>
           <a:p>
-            <a:endParaRPr lang="pl-PL" dirty="0" smtClean="0"/>
+            <a:endParaRPr lang="pl-PL" dirty="0"/>
           </a:p>
           <a:p>
             <a:pPr marL="0" indent="0">
               <a:buNone/>
             </a:pPr>
-            <a:endParaRPr lang="pl-PL" i="1" dirty="0" smtClean="0">
+            <a:endParaRPr lang="pl-PL" i="1" dirty="0">
               <a:solidFill>
                 <a:schemeClr val="accent2"/>
               </a:solidFill>
@@ -4753,7 +4739,7 @@
           <a:lstStyle/>
           <a:p>
             <a:r>
-              <a:rPr lang="pl-PL" dirty="0" smtClean="0"/>
+              <a:rPr lang="pl-PL" dirty="0"/>
               <a:t>C# 5.0 (Visual Studio 2012)</a:t>
             </a:r>
             <a:endParaRPr lang="en-US" dirty="0"/>
@@ -4778,7 +4764,7 @@
           <a:lstStyle/>
           <a:p>
             <a:r>
-              <a:rPr lang="pl-PL" dirty="0" err="1" smtClean="0">
+              <a:rPr lang="pl-PL" dirty="0" err="1">
                 <a:solidFill>
                   <a:srgbClr val="C00000"/>
                 </a:solidFill>
@@ -4786,7 +4772,7 @@
               <a:t>Asynchronous</a:t>
             </a:r>
             <a:r>
-              <a:rPr lang="pl-PL" dirty="0" smtClean="0">
+              <a:rPr lang="pl-PL" dirty="0">
                 <a:solidFill>
                   <a:srgbClr val="C00000"/>
                 </a:solidFill>
@@ -4794,27 +4780,27 @@
               <a:t> </a:t>
             </a:r>
             <a:r>
-              <a:rPr lang="pl-PL" dirty="0" err="1" smtClean="0">
+              <a:rPr lang="pl-PL" dirty="0" err="1">
                 <a:solidFill>
                   <a:srgbClr val="C00000"/>
                 </a:solidFill>
               </a:rPr>
               <a:t>members</a:t>
             </a:r>
-            <a:endParaRPr lang="pl-PL" dirty="0" smtClean="0">
+            <a:endParaRPr lang="pl-PL" dirty="0">
               <a:solidFill>
                 <a:srgbClr val="C00000"/>
               </a:solidFill>
             </a:endParaRPr>
           </a:p>
           <a:p>
-            <a:endParaRPr lang="pl-PL" dirty="0" smtClean="0"/>
+            <a:endParaRPr lang="pl-PL" dirty="0"/>
           </a:p>
           <a:p>
             <a:pPr marL="0" indent="0">
               <a:buNone/>
             </a:pPr>
-            <a:endParaRPr lang="pl-PL" i="1" dirty="0" smtClean="0">
+            <a:endParaRPr lang="pl-PL" i="1" dirty="0">
               <a:solidFill>
                 <a:schemeClr val="accent2"/>
               </a:solidFill>
@@ -4880,7 +4866,7 @@
           <a:lstStyle/>
           <a:p>
             <a:r>
-              <a:rPr lang="pl-PL" dirty="0" smtClean="0"/>
+              <a:rPr lang="pl-PL" dirty="0"/>
               <a:t>C# 6.0 (Visual Studio 2015)</a:t>
             </a:r>
             <a:endParaRPr lang="en-US" dirty="0"/>
@@ -4905,14 +4891,14 @@
           <a:lstStyle/>
           <a:p>
             <a:r>
-              <a:rPr lang="pl-PL" dirty="0" err="1" smtClean="0">
+              <a:rPr lang="pl-PL" dirty="0" err="1">
                 <a:solidFill>
                   <a:srgbClr val="604A7B"/>
                 </a:solidFill>
               </a:rPr>
               <a:t>Roslyn</a:t>
             </a:r>
-            <a:endParaRPr lang="pl-PL" dirty="0" smtClean="0">
+            <a:endParaRPr lang="pl-PL" dirty="0">
               <a:solidFill>
                 <a:srgbClr val="604A7B"/>
               </a:solidFill>
@@ -4920,7 +4906,7 @@
           </a:p>
           <a:p>
             <a:r>
-              <a:rPr lang="pl-PL" dirty="0" err="1" smtClean="0">
+              <a:rPr lang="pl-PL" dirty="0" err="1">
                 <a:solidFill>
                   <a:srgbClr val="604A7B"/>
                 </a:solidFill>
@@ -4928,7 +4914,7 @@
               <a:t>Eliminating</a:t>
             </a:r>
             <a:r>
-              <a:rPr lang="pl-PL" dirty="0" smtClean="0">
+              <a:rPr lang="pl-PL" dirty="0">
                 <a:solidFill>
                   <a:srgbClr val="604A7B"/>
                 </a:solidFill>
@@ -4936,14 +4922,14 @@
               <a:t> </a:t>
             </a:r>
             <a:r>
-              <a:rPr lang="pl-PL" dirty="0" err="1" smtClean="0">
+              <a:rPr lang="pl-PL" dirty="0" err="1">
                 <a:solidFill>
                   <a:srgbClr val="604A7B"/>
                 </a:solidFill>
               </a:rPr>
               <a:t>boilerplate</a:t>
             </a:r>
-            <a:endParaRPr lang="pl-PL" dirty="0" smtClean="0">
+            <a:endParaRPr lang="pl-PL" dirty="0">
               <a:solidFill>
                 <a:srgbClr val="604A7B"/>
               </a:solidFill>
@@ -4952,7 +4938,7 @@
           <a:p>
             <a:pPr lvl="1"/>
             <a:r>
-              <a:rPr lang="pl-PL" dirty="0" err="1" smtClean="0">
+              <a:rPr lang="pl-PL" dirty="0" err="1">
                 <a:solidFill>
                   <a:srgbClr val="604A7B"/>
                 </a:solidFill>
@@ -4960,7 +4946,7 @@
               <a:t>Static</a:t>
             </a:r>
             <a:r>
-              <a:rPr lang="pl-PL" dirty="0" smtClean="0">
+              <a:rPr lang="pl-PL" dirty="0">
                 <a:solidFill>
                   <a:srgbClr val="604A7B"/>
                 </a:solidFill>
@@ -4968,14 +4954,14 @@
               <a:t> </a:t>
             </a:r>
             <a:r>
-              <a:rPr lang="pl-PL" dirty="0" err="1" smtClean="0">
+              <a:rPr lang="pl-PL" dirty="0" err="1">
                 <a:solidFill>
                   <a:srgbClr val="604A7B"/>
                 </a:solidFill>
               </a:rPr>
               <a:t>imports</a:t>
             </a:r>
-            <a:endParaRPr lang="pl-PL" dirty="0" smtClean="0">
+            <a:endParaRPr lang="pl-PL" dirty="0">
               <a:solidFill>
                 <a:srgbClr val="604A7B"/>
               </a:solidFill>
@@ -4984,7 +4970,7 @@
           <a:p>
             <a:pPr lvl="1"/>
             <a:r>
-              <a:rPr lang="pl-PL" dirty="0" smtClean="0">
+              <a:rPr lang="pl-PL" dirty="0">
                 <a:solidFill>
                   <a:srgbClr val="604A7B"/>
                 </a:solidFill>
@@ -4992,7 +4978,7 @@
               <a:t>Auto-</a:t>
             </a:r>
             <a:r>
-              <a:rPr lang="pl-PL" dirty="0" err="1" smtClean="0">
+              <a:rPr lang="pl-PL" dirty="0" err="1">
                 <a:solidFill>
                   <a:srgbClr val="604A7B"/>
                 </a:solidFill>
@@ -5000,7 +4986,7 @@
               <a:t>property</a:t>
             </a:r>
             <a:r>
-              <a:rPr lang="pl-PL" dirty="0" smtClean="0">
+              <a:rPr lang="pl-PL" dirty="0">
                 <a:solidFill>
                   <a:srgbClr val="604A7B"/>
                 </a:solidFill>
@@ -5008,14 +4994,14 @@
               <a:t> </a:t>
             </a:r>
             <a:r>
-              <a:rPr lang="pl-PL" dirty="0" err="1" smtClean="0">
+              <a:rPr lang="pl-PL" dirty="0" err="1">
                 <a:solidFill>
                   <a:srgbClr val="604A7B"/>
                 </a:solidFill>
               </a:rPr>
               <a:t>initializers</a:t>
             </a:r>
-            <a:endParaRPr lang="pl-PL" dirty="0" smtClean="0">
+            <a:endParaRPr lang="pl-PL" dirty="0">
               <a:solidFill>
                 <a:srgbClr val="604A7B"/>
               </a:solidFill>
@@ -5024,7 +5010,7 @@
           <a:p>
             <a:pPr lvl="1"/>
             <a:r>
-              <a:rPr lang="pl-PL" dirty="0" err="1" smtClean="0">
+              <a:rPr lang="pl-PL" dirty="0" err="1">
                 <a:solidFill>
                   <a:srgbClr val="604A7B"/>
                 </a:solidFill>
@@ -5032,7 +5018,7 @@
               <a:t>Expression</a:t>
             </a:r>
             <a:r>
-              <a:rPr lang="pl-PL" dirty="0" smtClean="0">
+              <a:rPr lang="pl-PL" dirty="0">
                 <a:solidFill>
                   <a:srgbClr val="604A7B"/>
                 </a:solidFill>
@@ -5040,7 +5026,7 @@
               <a:t> </a:t>
             </a:r>
             <a:r>
-              <a:rPr lang="pl-PL" dirty="0" err="1" smtClean="0">
+              <a:rPr lang="pl-PL" dirty="0" err="1">
                 <a:solidFill>
                   <a:srgbClr val="604A7B"/>
                 </a:solidFill>
@@ -5048,7 +5034,7 @@
               <a:t>bodied</a:t>
             </a:r>
             <a:r>
-              <a:rPr lang="pl-PL" dirty="0" smtClean="0">
+              <a:rPr lang="pl-PL" dirty="0">
                 <a:solidFill>
                   <a:srgbClr val="604A7B"/>
                 </a:solidFill>
@@ -5056,14 +5042,14 @@
               <a:t> </a:t>
             </a:r>
             <a:r>
-              <a:rPr lang="pl-PL" dirty="0" err="1" smtClean="0">
+              <a:rPr lang="pl-PL" dirty="0" err="1">
                 <a:solidFill>
                   <a:srgbClr val="604A7B"/>
                 </a:solidFill>
               </a:rPr>
               <a:t>members</a:t>
             </a:r>
-            <a:endParaRPr lang="pl-PL" dirty="0" smtClean="0">
+            <a:endParaRPr lang="pl-PL" dirty="0">
               <a:solidFill>
                 <a:srgbClr val="604A7B"/>
               </a:solidFill>
@@ -5072,7 +5058,7 @@
           <a:p>
             <a:pPr lvl="1"/>
             <a:r>
-              <a:rPr lang="pl-PL" dirty="0" smtClean="0">
+              <a:rPr lang="pl-PL" dirty="0">
                 <a:solidFill>
                   <a:srgbClr val="604A7B"/>
                 </a:solidFill>
@@ -5080,14 +5066,14 @@
               <a:t>String </a:t>
             </a:r>
             <a:r>
-              <a:rPr lang="pl-PL" dirty="0" err="1" smtClean="0">
+              <a:rPr lang="pl-PL" dirty="0" err="1">
                 <a:solidFill>
                   <a:srgbClr val="604A7B"/>
                 </a:solidFill>
               </a:rPr>
               <a:t>interpolation</a:t>
             </a:r>
-            <a:endParaRPr lang="pl-PL" dirty="0" smtClean="0">
+            <a:endParaRPr lang="pl-PL" dirty="0">
               <a:solidFill>
                 <a:srgbClr val="604A7B"/>
               </a:solidFill>
@@ -5096,7 +5082,7 @@
           <a:p>
             <a:pPr lvl="1"/>
             <a:r>
-              <a:rPr lang="pl-PL" dirty="0" err="1" smtClean="0">
+              <a:rPr lang="pl-PL" dirty="0" err="1">
                 <a:solidFill>
                   <a:srgbClr val="604A7B"/>
                 </a:solidFill>
@@ -5109,21 +5095,13 @@
                   <a:srgbClr val="604A7B"/>
                 </a:solidFill>
               </a:rPr>
-              <a:t> </a:t>
-            </a:r>
-            <a:r>
-              <a:rPr lang="pl-PL" dirty="0" smtClean="0">
-                <a:solidFill>
-                  <a:srgbClr val="604A7B"/>
-                </a:solidFill>
-              </a:rPr>
-              <a:t>operator</a:t>
+              <a:t> operator</a:t>
             </a:r>
           </a:p>
           <a:p>
             <a:pPr lvl="1"/>
             <a:r>
-              <a:rPr lang="pl-PL" dirty="0" err="1" smtClean="0">
+              <a:rPr lang="pl-PL" dirty="0" err="1">
                 <a:solidFill>
                   <a:srgbClr val="604A7B"/>
                 </a:solidFill>
@@ -5131,7 +5109,7 @@
               <a:t>Null</a:t>
             </a:r>
             <a:r>
-              <a:rPr lang="pl-PL" dirty="0" smtClean="0">
+              <a:rPr lang="pl-PL" dirty="0">
                 <a:solidFill>
                   <a:srgbClr val="604A7B"/>
                 </a:solidFill>
@@ -5140,20 +5118,20 @@
             </a:r>
           </a:p>
           <a:p>
-            <a:endParaRPr lang="pl-PL" dirty="0" smtClean="0">
+            <a:endParaRPr lang="pl-PL" dirty="0">
               <a:solidFill>
                 <a:srgbClr val="C00000"/>
               </a:solidFill>
             </a:endParaRPr>
           </a:p>
           <a:p>
-            <a:endParaRPr lang="pl-PL" dirty="0" smtClean="0"/>
+            <a:endParaRPr lang="pl-PL" dirty="0"/>
           </a:p>
           <a:p>
             <a:pPr marL="0" indent="0">
               <a:buNone/>
             </a:pPr>
-            <a:endParaRPr lang="pl-PL" i="1" dirty="0" smtClean="0">
+            <a:endParaRPr lang="pl-PL" i="1" dirty="0">
               <a:solidFill>
                 <a:schemeClr val="accent2"/>
               </a:solidFill>
@@ -5219,8 +5197,8 @@
           <a:lstStyle/>
           <a:p>
             <a:r>
-              <a:rPr lang="pl-PL" dirty="0" smtClean="0"/>
-              <a:t>C# 7.0</a:t>
+              <a:rPr lang="pl-PL" dirty="0"/>
+              <a:t>C# 7.0 (2017)</a:t>
             </a:r>
             <a:endParaRPr lang="en-US" dirty="0"/>
           </a:p>
@@ -5244,7 +5222,7 @@
           <a:lstStyle/>
           <a:p>
             <a:r>
-              <a:rPr lang="pl-PL" dirty="0" err="1" smtClean="0">
+              <a:rPr lang="pl-PL" dirty="0" err="1">
                 <a:solidFill>
                   <a:srgbClr val="604A7B"/>
                 </a:solidFill>
@@ -5252,7 +5230,7 @@
               <a:t>Pattern</a:t>
             </a:r>
             <a:r>
-              <a:rPr lang="pl-PL" dirty="0" smtClean="0">
+              <a:rPr lang="pl-PL" dirty="0">
                 <a:solidFill>
                   <a:srgbClr val="604A7B"/>
                 </a:solidFill>
@@ -5260,14 +5238,14 @@
               <a:t> </a:t>
             </a:r>
             <a:r>
-              <a:rPr lang="pl-PL" dirty="0" err="1" smtClean="0">
+              <a:rPr lang="pl-PL" dirty="0" err="1">
                 <a:solidFill>
                   <a:srgbClr val="604A7B"/>
                 </a:solidFill>
               </a:rPr>
               <a:t>matching</a:t>
             </a:r>
-            <a:endParaRPr lang="pl-PL" dirty="0" smtClean="0">
+            <a:endParaRPr lang="pl-PL" dirty="0">
               <a:solidFill>
                 <a:srgbClr val="604A7B"/>
               </a:solidFill>
@@ -5275,14 +5253,14 @@
           </a:p>
           <a:p>
             <a:r>
-              <a:rPr lang="pl-PL" dirty="0" err="1" smtClean="0">
+              <a:rPr lang="pl-PL" dirty="0" err="1">
                 <a:solidFill>
                   <a:srgbClr val="604A7B"/>
                 </a:solidFill>
               </a:rPr>
               <a:t>Tuples</a:t>
             </a:r>
-            <a:endParaRPr lang="pl-PL" dirty="0" smtClean="0">
+            <a:endParaRPr lang="pl-PL" dirty="0">
               <a:solidFill>
                 <a:srgbClr val="604A7B"/>
               </a:solidFill>
@@ -5290,7 +5268,7 @@
           </a:p>
           <a:p>
             <a:r>
-              <a:rPr lang="pl-PL" dirty="0" err="1" smtClean="0">
+              <a:rPr lang="pl-PL" dirty="0" err="1">
                 <a:solidFill>
                   <a:srgbClr val="604A7B"/>
                 </a:solidFill>
@@ -5298,7 +5276,7 @@
               <a:t>Local</a:t>
             </a:r>
             <a:r>
-              <a:rPr lang="pl-PL" dirty="0" smtClean="0">
+              <a:rPr lang="pl-PL" dirty="0">
                 <a:solidFill>
                   <a:srgbClr val="604A7B"/>
                 </a:solidFill>
@@ -5306,14 +5284,14 @@
               <a:t> </a:t>
             </a:r>
             <a:r>
-              <a:rPr lang="pl-PL" dirty="0" err="1" smtClean="0">
+              <a:rPr lang="pl-PL" dirty="0" err="1">
                 <a:solidFill>
                   <a:srgbClr val="604A7B"/>
                 </a:solidFill>
               </a:rPr>
               <a:t>function</a:t>
             </a:r>
-            <a:endParaRPr lang="pl-PL" dirty="0" smtClean="0">
+            <a:endParaRPr lang="pl-PL" dirty="0">
               <a:solidFill>
                 <a:srgbClr val="604A7B"/>
               </a:solidFill>
@@ -5321,7 +5299,7 @@
           </a:p>
           <a:p>
             <a:r>
-              <a:rPr lang="pl-PL" dirty="0" err="1" smtClean="0">
+              <a:rPr lang="pl-PL" dirty="0" err="1">
                 <a:solidFill>
                   <a:srgbClr val="604A7B"/>
                 </a:solidFill>
@@ -5329,7 +5307,7 @@
               <a:t>Incremental</a:t>
             </a:r>
             <a:r>
-              <a:rPr lang="pl-PL" dirty="0" smtClean="0">
+              <a:rPr lang="pl-PL" dirty="0">
                 <a:solidFill>
                   <a:srgbClr val="604A7B"/>
                 </a:solidFill>
@@ -5337,7 +5315,7 @@
               <a:t> </a:t>
             </a:r>
             <a:r>
-              <a:rPr lang="pl-PL" dirty="0" err="1" smtClean="0">
+              <a:rPr lang="pl-PL" dirty="0" err="1">
                 <a:solidFill>
                   <a:srgbClr val="604A7B"/>
                 </a:solidFill>
@@ -5345,7 +5323,7 @@
               <a:t>updates</a:t>
             </a:r>
             <a:r>
-              <a:rPr lang="pl-PL" dirty="0" smtClean="0">
+              <a:rPr lang="pl-PL" dirty="0">
                 <a:solidFill>
                   <a:srgbClr val="604A7B"/>
                 </a:solidFill>
@@ -5355,7 +5333,7 @@
           </a:p>
           <a:p>
             <a:r>
-              <a:rPr lang="pl-PL" dirty="0" err="1" smtClean="0">
+              <a:rPr lang="pl-PL" dirty="0" err="1">
                 <a:solidFill>
                   <a:srgbClr val="C00000"/>
                 </a:solidFill>
@@ -5363,7 +5341,7 @@
               <a:t>Spans</a:t>
             </a:r>
             <a:r>
-              <a:rPr lang="pl-PL" dirty="0" smtClean="0">
+              <a:rPr lang="pl-PL" dirty="0">
                 <a:solidFill>
                   <a:srgbClr val="C00000"/>
                 </a:solidFill>
@@ -5372,13 +5350,13 @@
             </a:r>
           </a:p>
           <a:p>
-            <a:endParaRPr lang="pl-PL" dirty="0" smtClean="0"/>
+            <a:endParaRPr lang="pl-PL" dirty="0"/>
           </a:p>
           <a:p>
             <a:pPr marL="0" indent="0">
               <a:buNone/>
             </a:pPr>
-            <a:endParaRPr lang="pl-PL" i="1" dirty="0" smtClean="0">
+            <a:endParaRPr lang="pl-PL" i="1" dirty="0">
               <a:solidFill>
                 <a:schemeClr val="accent2"/>
               </a:solidFill>
@@ -5444,20 +5422,20 @@
         </p:spPr>
         <p:txBody>
           <a:bodyPr>
-            <a:normAutofit/>
+            <a:normAutofit fontScale="90000"/>
           </a:bodyPr>
           <a:lstStyle/>
           <a:p>
             <a:r>
-              <a:rPr lang="pl-PL" dirty="0" smtClean="0"/>
-              <a:t>C# 8 (.NET </a:t>
-            </a:r>
-            <a:r>
-              <a:rPr lang="pl-PL" dirty="0" err="1" smtClean="0"/>
+              <a:rPr lang="pl-PL" dirty="0"/>
+              <a:t>C# 8 (2019, .NET </a:t>
+            </a:r>
+            <a:r>
+              <a:rPr lang="pl-PL" dirty="0" err="1"/>
               <a:t>Core</a:t>
             </a:r>
             <a:r>
-              <a:rPr lang="pl-PL" dirty="0" smtClean="0"/>
+              <a:rPr lang="pl-PL" dirty="0"/>
               <a:t> 3.0, .NET Runtime 4.8)</a:t>
             </a:r>
             <a:endParaRPr lang="en-US" dirty="0"/>
@@ -5482,7 +5460,7 @@
           <a:lstStyle/>
           <a:p>
             <a:r>
-              <a:rPr lang="pl-PL" dirty="0" smtClean="0">
+              <a:rPr lang="pl-PL" dirty="0">
                 <a:solidFill>
                   <a:srgbClr val="604A7B"/>
                 </a:solidFill>
@@ -5490,14 +5468,14 @@
               <a:t>Pierwszy kompilator z funkcjami dedykowanymi dla .NET </a:t>
             </a:r>
             <a:r>
-              <a:rPr lang="pl-PL" dirty="0" err="1" smtClean="0">
+              <a:rPr lang="pl-PL" dirty="0" err="1">
                 <a:solidFill>
                   <a:srgbClr val="604A7B"/>
                 </a:solidFill>
               </a:rPr>
               <a:t>Core</a:t>
             </a:r>
-            <a:endParaRPr lang="pl-PL" dirty="0" smtClean="0">
+            <a:endParaRPr lang="pl-PL" dirty="0">
               <a:solidFill>
                 <a:srgbClr val="604A7B"/>
               </a:solidFill>
@@ -5506,7 +5484,7 @@
           <a:p>
             <a:pPr lvl="1"/>
             <a:r>
-              <a:rPr lang="pl-PL" dirty="0" err="1" smtClean="0">
+              <a:rPr lang="pl-PL" dirty="0" err="1">
                 <a:solidFill>
                   <a:srgbClr val="604A7B"/>
                 </a:solidFill>
@@ -5514,7 +5492,7 @@
               <a:t>Asynchronous</a:t>
             </a:r>
             <a:r>
-              <a:rPr lang="pl-PL" dirty="0" smtClean="0">
+              <a:rPr lang="pl-PL" dirty="0">
                 <a:solidFill>
                   <a:srgbClr val="604A7B"/>
                 </a:solidFill>
@@ -5522,7 +5500,7 @@
               <a:t> </a:t>
             </a:r>
             <a:r>
-              <a:rPr lang="pl-PL" dirty="0" err="1" smtClean="0">
+              <a:rPr lang="pl-PL" dirty="0" err="1">
                 <a:solidFill>
                   <a:srgbClr val="604A7B"/>
                 </a:solidFill>
@@ -5530,7 +5508,7 @@
               <a:t>streams</a:t>
             </a:r>
             <a:r>
-              <a:rPr lang="pl-PL" dirty="0" smtClean="0">
+              <a:rPr lang="pl-PL" dirty="0">
                 <a:solidFill>
                   <a:srgbClr val="604A7B"/>
                 </a:solidFill>
@@ -5538,7 +5516,7 @@
               <a:t> (</a:t>
             </a:r>
             <a:r>
-              <a:rPr lang="pl-PL" dirty="0" err="1" smtClean="0">
+              <a:rPr lang="pl-PL" dirty="0" err="1">
                 <a:solidFill>
                   <a:srgbClr val="604A7B"/>
                 </a:solidFill>
@@ -5546,7 +5524,7 @@
               <a:t>NuGet</a:t>
             </a:r>
             <a:r>
-              <a:rPr lang="pl-PL" dirty="0" smtClean="0">
+              <a:rPr lang="pl-PL" dirty="0">
                 <a:solidFill>
                   <a:srgbClr val="604A7B"/>
                 </a:solidFill>
@@ -5554,7 +5532,7 @@
               <a:t>   </a:t>
             </a:r>
             <a:r>
-              <a:rPr lang="pl-PL" dirty="0" err="1" smtClean="0">
+              <a:rPr lang="pl-PL" dirty="0" err="1">
                 <a:solidFill>
                   <a:srgbClr val="604A7B"/>
                 </a:solidFill>
@@ -5562,7 +5540,7 @@
               <a:t>Microsoft.Bcl.AsyncInterfaces</a:t>
             </a:r>
             <a:r>
-              <a:rPr lang="pl-PL" dirty="0" smtClean="0">
+              <a:rPr lang="pl-PL" dirty="0">
                 <a:solidFill>
                   <a:srgbClr val="604A7B"/>
                 </a:solidFill>
@@ -5573,7 +5551,7 @@
           <a:p>
             <a:pPr lvl="1"/>
             <a:r>
-              <a:rPr lang="pl-PL" dirty="0" err="1" smtClean="0">
+              <a:rPr lang="pl-PL" dirty="0" err="1">
                 <a:solidFill>
                   <a:srgbClr val="604A7B"/>
                 </a:solidFill>
@@ -5581,7 +5559,7 @@
               <a:t>Indices</a:t>
             </a:r>
             <a:r>
-              <a:rPr lang="pl-PL" dirty="0" smtClean="0">
+              <a:rPr lang="pl-PL" dirty="0">
                 <a:solidFill>
                   <a:srgbClr val="604A7B"/>
                 </a:solidFill>
@@ -5589,14 +5567,14 @@
               <a:t> &amp; </a:t>
             </a:r>
             <a:r>
-              <a:rPr lang="pl-PL" dirty="0" err="1" smtClean="0">
+              <a:rPr lang="pl-PL" dirty="0" err="1">
                 <a:solidFill>
                   <a:srgbClr val="604A7B"/>
                 </a:solidFill>
               </a:rPr>
               <a:t>ranges</a:t>
             </a:r>
-            <a:endParaRPr lang="pl-PL" dirty="0" smtClean="0">
+            <a:endParaRPr lang="pl-PL" dirty="0">
               <a:solidFill>
                 <a:srgbClr val="604A7B"/>
               </a:solidFill>
@@ -5605,7 +5583,7 @@
           <a:p>
             <a:pPr lvl="1"/>
             <a:r>
-              <a:rPr lang="pl-PL" dirty="0" err="1" smtClean="0">
+              <a:rPr lang="pl-PL" dirty="0" err="1">
                 <a:solidFill>
                   <a:srgbClr val="604A7B"/>
                 </a:solidFill>
@@ -5613,7 +5591,7 @@
               <a:t>Default</a:t>
             </a:r>
             <a:r>
-              <a:rPr lang="pl-PL" dirty="0" smtClean="0">
+              <a:rPr lang="pl-PL" dirty="0">
                 <a:solidFill>
                   <a:srgbClr val="604A7B"/>
                 </a:solidFill>
@@ -5621,14 +5599,14 @@
               <a:t> </a:t>
             </a:r>
             <a:r>
-              <a:rPr lang="pl-PL" dirty="0" err="1" smtClean="0">
+              <a:rPr lang="pl-PL" dirty="0" err="1">
                 <a:solidFill>
                   <a:srgbClr val="604A7B"/>
                 </a:solidFill>
               </a:rPr>
               <a:t>interfaces</a:t>
             </a:r>
-            <a:endParaRPr lang="pl-PL" dirty="0" smtClean="0">
+            <a:endParaRPr lang="pl-PL" dirty="0">
               <a:solidFill>
                 <a:srgbClr val="604A7B"/>
               </a:solidFill>
@@ -5636,7 +5614,7 @@
           </a:p>
           <a:p>
             <a:r>
-              <a:rPr lang="pl-PL" dirty="0" err="1" smtClean="0">
+              <a:rPr lang="pl-PL" dirty="0" err="1">
                 <a:solidFill>
                   <a:srgbClr val="C00000"/>
                 </a:solidFill>
@@ -5644,7 +5622,7 @@
               <a:t>Nullable</a:t>
             </a:r>
             <a:r>
-              <a:rPr lang="pl-PL" dirty="0" smtClean="0">
+              <a:rPr lang="pl-PL" dirty="0">
                 <a:solidFill>
                   <a:srgbClr val="C00000"/>
                 </a:solidFill>
@@ -5652,7 +5630,7 @@
               <a:t> </a:t>
             </a:r>
             <a:r>
-              <a:rPr lang="pl-PL" dirty="0" err="1" smtClean="0">
+              <a:rPr lang="pl-PL" dirty="0" err="1">
                 <a:solidFill>
                   <a:srgbClr val="C00000"/>
                 </a:solidFill>
@@ -5660,7 +5638,7 @@
               <a:t>reference</a:t>
             </a:r>
             <a:r>
-              <a:rPr lang="pl-PL" dirty="0" smtClean="0">
+              <a:rPr lang="pl-PL" dirty="0">
                 <a:solidFill>
                   <a:srgbClr val="C00000"/>
                 </a:solidFill>
@@ -5668,14 +5646,14 @@
               <a:t> </a:t>
             </a:r>
             <a:r>
-              <a:rPr lang="pl-PL" dirty="0" err="1" smtClean="0">
+              <a:rPr lang="pl-PL" dirty="0" err="1">
                 <a:solidFill>
                   <a:srgbClr val="C00000"/>
                 </a:solidFill>
               </a:rPr>
               <a:t>types</a:t>
             </a:r>
-            <a:endParaRPr lang="pl-PL" dirty="0" smtClean="0">
+            <a:endParaRPr lang="pl-PL" dirty="0">
               <a:solidFill>
                 <a:srgbClr val="C00000"/>
               </a:solidFill>
@@ -5690,27 +5668,22 @@
               </a:rPr>
               <a:t>https://devblogs.microsoft.com/dotnet/building-c-8-0/</a:t>
             </a:r>
-            <a:endParaRPr lang="pl-PL" dirty="0" smtClean="0">
-              <a:solidFill>
-                <a:srgbClr val="604A7B"/>
-              </a:solidFill>
-            </a:endParaRPr>
-          </a:p>
-          <a:p>
-            <a:endParaRPr lang="pl-PL" dirty="0" smtClean="0">
+          </a:p>
+          <a:p>
+            <a:endParaRPr lang="pl-PL" dirty="0">
               <a:solidFill>
                 <a:srgbClr val="C00000"/>
               </a:solidFill>
             </a:endParaRPr>
           </a:p>
           <a:p>
-            <a:endParaRPr lang="pl-PL" dirty="0" smtClean="0"/>
+            <a:endParaRPr lang="pl-PL" dirty="0"/>
           </a:p>
           <a:p>
             <a:pPr marL="0" indent="0">
               <a:buNone/>
             </a:pPr>
-            <a:endParaRPr lang="pl-PL" i="1" dirty="0" smtClean="0">
+            <a:endParaRPr lang="pl-PL" i="1" dirty="0">
               <a:solidFill>
                 <a:schemeClr val="accent2"/>
               </a:solidFill>
@@ -5781,7 +5754,7 @@
           <a:lstStyle/>
           <a:p>
             <a:r>
-              <a:rPr lang="pl-PL" dirty="0" smtClean="0"/>
+              <a:rPr lang="pl-PL" dirty="0"/>
               <a:t>C# 9 (.NET 5)</a:t>
             </a:r>
             <a:endParaRPr lang="en-US" dirty="0"/>
@@ -5806,14 +5779,14 @@
           <a:lstStyle/>
           <a:p>
             <a:r>
-              <a:rPr lang="pl-PL" dirty="0" err="1" smtClean="0">
+              <a:rPr lang="pl-PL" dirty="0" err="1">
                 <a:solidFill>
                   <a:srgbClr val="604A7B"/>
                 </a:solidFill>
               </a:rPr>
               <a:t>Records</a:t>
             </a:r>
-            <a:endParaRPr lang="pl-PL" dirty="0" smtClean="0">
+            <a:endParaRPr lang="pl-PL" dirty="0">
               <a:solidFill>
                 <a:srgbClr val="604A7B"/>
               </a:solidFill>
@@ -5821,7 +5794,7 @@
           </a:p>
           <a:p>
             <a:r>
-              <a:rPr lang="pl-PL" dirty="0" err="1" smtClean="0">
+              <a:rPr lang="pl-PL" dirty="0" err="1">
                 <a:solidFill>
                   <a:srgbClr val="604A7B"/>
                 </a:solidFill>
@@ -5829,7 +5802,7 @@
               <a:t>Code</a:t>
             </a:r>
             <a:r>
-              <a:rPr lang="pl-PL" dirty="0" smtClean="0">
+              <a:rPr lang="pl-PL" dirty="0">
                 <a:solidFill>
                   <a:srgbClr val="604A7B"/>
                 </a:solidFill>
@@ -5837,41 +5810,41 @@
               <a:t> </a:t>
             </a:r>
             <a:r>
-              <a:rPr lang="pl-PL" dirty="0" err="1" smtClean="0">
+              <a:rPr lang="pl-PL" dirty="0" err="1">
                 <a:solidFill>
                   <a:srgbClr val="604A7B"/>
                 </a:solidFill>
               </a:rPr>
               <a:t>generators</a:t>
             </a:r>
-            <a:endParaRPr lang="pl-PL" dirty="0" smtClean="0">
+            <a:endParaRPr lang="pl-PL" dirty="0">
               <a:solidFill>
                 <a:srgbClr val="604A7B"/>
               </a:solidFill>
             </a:endParaRPr>
           </a:p>
           <a:p>
-            <a:endParaRPr lang="pl-PL" dirty="0" smtClean="0">
+            <a:endParaRPr lang="pl-PL" dirty="0">
               <a:solidFill>
                 <a:srgbClr val="604A7B"/>
               </a:solidFill>
             </a:endParaRPr>
           </a:p>
           <a:p>
-            <a:endParaRPr lang="pl-PL" dirty="0" smtClean="0">
+            <a:endParaRPr lang="pl-PL" dirty="0">
               <a:solidFill>
                 <a:srgbClr val="C00000"/>
               </a:solidFill>
             </a:endParaRPr>
           </a:p>
           <a:p>
-            <a:endParaRPr lang="pl-PL" dirty="0" smtClean="0"/>
+            <a:endParaRPr lang="pl-PL" dirty="0"/>
           </a:p>
           <a:p>
             <a:pPr marL="0" indent="0">
               <a:buNone/>
             </a:pPr>
-            <a:endParaRPr lang="pl-PL" i="1" dirty="0" smtClean="0">
+            <a:endParaRPr lang="pl-PL" i="1" dirty="0">
               <a:solidFill>
                 <a:schemeClr val="accent2"/>
               </a:solidFill>
@@ -5942,7 +5915,7 @@
           <a:lstStyle/>
           <a:p>
             <a:r>
-              <a:rPr lang="pl-PL" dirty="0" smtClean="0"/>
+              <a:rPr lang="pl-PL" dirty="0"/>
               <a:t>C# 10 (.NET 6)</a:t>
             </a:r>
             <a:endParaRPr lang="en-US" dirty="0"/>
@@ -5967,209 +5940,20 @@
           <a:lstStyle/>
           <a:p>
             <a:r>
-              <a:rPr lang="pl-PL" dirty="0" smtClean="0">
-                <a:solidFill>
-                  <a:srgbClr val="604A7B"/>
-                </a:solidFill>
-              </a:rPr>
-              <a:t>„</a:t>
-            </a:r>
-            <a:r>
-              <a:rPr lang="pl-PL" dirty="0" err="1" smtClean="0">
-                <a:solidFill>
-                  <a:srgbClr val="604A7B"/>
-                </a:solidFill>
-              </a:rPr>
-              <a:t>Minimap</a:t>
-            </a:r>
-            <a:r>
-              <a:rPr lang="pl-PL" dirty="0" smtClean="0">
-                <a:solidFill>
-                  <a:srgbClr val="604A7B"/>
-                </a:solidFill>
-              </a:rPr>
-              <a:t> API”</a:t>
-            </a:r>
-          </a:p>
-          <a:p>
-            <a:pPr lvl="1"/>
-            <a:r>
-              <a:rPr lang="pl-PL" dirty="0" smtClean="0">
-                <a:solidFill>
-                  <a:srgbClr val="604A7B"/>
-                </a:solidFill>
-              </a:rPr>
-              <a:t>Global </a:t>
-            </a:r>
-            <a:r>
-              <a:rPr lang="pl-PL" dirty="0" err="1" smtClean="0">
-                <a:solidFill>
-                  <a:srgbClr val="604A7B"/>
-                </a:solidFill>
-              </a:rPr>
-              <a:t>using</a:t>
-            </a:r>
-            <a:endParaRPr lang="pl-PL" dirty="0" smtClean="0">
-              <a:solidFill>
-                <a:srgbClr val="604A7B"/>
-              </a:solidFill>
-            </a:endParaRPr>
-          </a:p>
-          <a:p>
-            <a:pPr lvl="1"/>
-            <a:r>
-              <a:rPr lang="pl-PL" dirty="0" smtClean="0">
-                <a:solidFill>
-                  <a:srgbClr val="604A7B"/>
-                </a:solidFill>
-              </a:rPr>
-              <a:t>File </a:t>
-            </a:r>
-            <a:r>
-              <a:rPr lang="pl-PL" dirty="0" err="1" smtClean="0">
-                <a:solidFill>
-                  <a:srgbClr val="604A7B"/>
-                </a:solidFill>
-              </a:rPr>
-              <a:t>scoped</a:t>
-            </a:r>
-            <a:r>
-              <a:rPr lang="pl-PL" dirty="0" smtClean="0">
-                <a:solidFill>
-                  <a:srgbClr val="604A7B"/>
-                </a:solidFill>
-              </a:rPr>
-              <a:t> </a:t>
-            </a:r>
-            <a:r>
-              <a:rPr lang="pl-PL" dirty="0" err="1" smtClean="0">
-                <a:solidFill>
-                  <a:srgbClr val="604A7B"/>
-                </a:solidFill>
-              </a:rPr>
-              <a:t>namespaces</a:t>
-            </a:r>
-            <a:endParaRPr lang="pl-PL" dirty="0" smtClean="0">
-              <a:solidFill>
-                <a:srgbClr val="604A7B"/>
-              </a:solidFill>
-            </a:endParaRPr>
-          </a:p>
-          <a:p>
-            <a:pPr lvl="1"/>
-            <a:r>
-              <a:rPr lang="pl-PL" dirty="0" smtClean="0">
-                <a:solidFill>
-                  <a:srgbClr val="604A7B"/>
-                </a:solidFill>
-              </a:rPr>
-              <a:t>Lambda </a:t>
-            </a:r>
-            <a:r>
-              <a:rPr lang="pl-PL" dirty="0" err="1" smtClean="0">
-                <a:solidFill>
-                  <a:srgbClr val="604A7B"/>
-                </a:solidFill>
-              </a:rPr>
-              <a:t>improvements</a:t>
-            </a:r>
-            <a:r>
-              <a:rPr lang="pl-PL" dirty="0" smtClean="0">
-                <a:solidFill>
-                  <a:srgbClr val="604A7B"/>
-                </a:solidFill>
-              </a:rPr>
-              <a:t> (</a:t>
-            </a:r>
-            <a:r>
-              <a:rPr lang="pl-PL" dirty="0" err="1" smtClean="0">
-                <a:solidFill>
-                  <a:srgbClr val="604A7B"/>
-                </a:solidFill>
-              </a:rPr>
-              <a:t>attributes</a:t>
-            </a:r>
-            <a:r>
-              <a:rPr lang="pl-PL" dirty="0" smtClean="0">
-                <a:solidFill>
-                  <a:srgbClr val="604A7B"/>
-                </a:solidFill>
-              </a:rPr>
-              <a:t>, </a:t>
-            </a:r>
-            <a:r>
-              <a:rPr lang="pl-PL" dirty="0" err="1" smtClean="0">
-                <a:solidFill>
-                  <a:srgbClr val="604A7B"/>
-                </a:solidFill>
-              </a:rPr>
-              <a:t>explicit</a:t>
-            </a:r>
-            <a:r>
-              <a:rPr lang="pl-PL" dirty="0" smtClean="0">
-                <a:solidFill>
-                  <a:srgbClr val="604A7B"/>
-                </a:solidFill>
-              </a:rPr>
-              <a:t> return </a:t>
-            </a:r>
-            <a:r>
-              <a:rPr lang="pl-PL" dirty="0" err="1" smtClean="0">
-                <a:solidFill>
-                  <a:srgbClr val="604A7B"/>
-                </a:solidFill>
-              </a:rPr>
-              <a:t>type</a:t>
-            </a:r>
-            <a:r>
-              <a:rPr lang="pl-PL" dirty="0" smtClean="0">
-                <a:solidFill>
-                  <a:srgbClr val="604A7B"/>
-                </a:solidFill>
-              </a:rPr>
-              <a:t>, </a:t>
-            </a:r>
-            <a:r>
-              <a:rPr lang="pl-PL" dirty="0" err="1" smtClean="0">
-                <a:solidFill>
-                  <a:srgbClr val="604A7B"/>
-                </a:solidFill>
-              </a:rPr>
-              <a:t>infer</a:t>
-            </a:r>
-            <a:r>
-              <a:rPr lang="pl-PL" dirty="0" smtClean="0">
-                <a:solidFill>
-                  <a:srgbClr val="604A7B"/>
-                </a:solidFill>
-              </a:rPr>
-              <a:t> </a:t>
-            </a:r>
-            <a:r>
-              <a:rPr lang="pl-PL" dirty="0" err="1" smtClean="0">
-                <a:solidFill>
-                  <a:srgbClr val="604A7B"/>
-                </a:solidFill>
-              </a:rPr>
-              <a:t>type</a:t>
-            </a:r>
-            <a:r>
-              <a:rPr lang="pl-PL" dirty="0" smtClean="0">
-                <a:solidFill>
-                  <a:srgbClr val="604A7B"/>
-                </a:solidFill>
-              </a:rPr>
-              <a:t>)</a:t>
-            </a:r>
-          </a:p>
-          <a:p>
+              <a:rPr lang="pl-PL" dirty="0">
+                <a:solidFill>
+                  <a:srgbClr val="604A7B"/>
+                </a:solidFill>
+              </a:rPr>
+              <a:t>In </a:t>
+            </a:r>
             <a:r>
               <a:rPr lang="pl-PL" dirty="0" err="1">
                 <a:solidFill>
                   <a:srgbClr val="604A7B"/>
                 </a:solidFill>
               </a:rPr>
-              <a:t>Generic</a:t>
+              <a:t>progress</a:t>
             </a:r>
             <a:r>
               <a:rPr lang="pl-PL" dirty="0">
@@ -6177,31 +5961,16 @@
                   <a:srgbClr val="604A7B"/>
                 </a:solidFill>
               </a:rPr>
-              <a:t> </a:t>
-            </a:r>
-            <a:r>
-              <a:rPr lang="pl-PL" dirty="0" smtClean="0">
-                <a:solidFill>
-                  <a:srgbClr val="604A7B"/>
-                </a:solidFill>
-              </a:rPr>
-              <a:t>Math (</a:t>
-            </a:r>
-            <a:r>
-              <a:rPr lang="pl-PL" dirty="0" err="1" smtClean="0">
-                <a:solidFill>
-                  <a:srgbClr val="604A7B"/>
-                </a:solidFill>
-              </a:rPr>
-              <a:t>preview</a:t>
-            </a:r>
-            <a:r>
-              <a:rPr lang="pl-PL" dirty="0" smtClean="0">
-                <a:solidFill>
-                  <a:srgbClr val="604A7B"/>
-                </a:solidFill>
-              </a:rPr>
-              <a:t>!)</a:t>
+              <a:t>… </a:t>
+            </a:r>
+            <a:r>
+              <a:rPr lang="pl-PL" dirty="0">
+                <a:solidFill>
+                  <a:srgbClr val="604A7B"/>
+                </a:solidFill>
+                <a:sym typeface="Wingdings" panose="05000000000000000000" pitchFamily="2" charset="2"/>
+              </a:rPr>
+              <a:t></a:t>
             </a:r>
             <a:endParaRPr lang="pl-PL" dirty="0">
               <a:solidFill>
@@ -6210,27 +5979,258 @@
             </a:endParaRPr>
           </a:p>
           <a:p>
-            <a:endParaRPr lang="pl-PL" dirty="0" smtClean="0">
+            <a:r>
+              <a:rPr lang="pl-PL" dirty="0">
+                <a:solidFill>
+                  <a:srgbClr val="604A7B"/>
+                </a:solidFill>
+              </a:rPr>
+              <a:t>„</a:t>
+            </a:r>
+            <a:r>
+              <a:rPr lang="pl-PL" dirty="0" err="1">
+                <a:solidFill>
+                  <a:srgbClr val="604A7B"/>
+                </a:solidFill>
+              </a:rPr>
+              <a:t>Minimap</a:t>
+            </a:r>
+            <a:r>
+              <a:rPr lang="pl-PL" dirty="0">
+                <a:solidFill>
+                  <a:srgbClr val="604A7B"/>
+                </a:solidFill>
+              </a:rPr>
+              <a:t> API”</a:t>
+            </a:r>
+          </a:p>
+          <a:p>
+            <a:pPr lvl="1"/>
+            <a:r>
+              <a:rPr lang="pl-PL" dirty="0">
+                <a:solidFill>
+                  <a:srgbClr val="604A7B"/>
+                </a:solidFill>
+              </a:rPr>
+              <a:t>Global </a:t>
+            </a:r>
+            <a:r>
+              <a:rPr lang="pl-PL" dirty="0" err="1">
+                <a:solidFill>
+                  <a:srgbClr val="604A7B"/>
+                </a:solidFill>
+              </a:rPr>
+              <a:t>using</a:t>
+            </a:r>
+            <a:endParaRPr lang="pl-PL" dirty="0">
               <a:solidFill>
                 <a:srgbClr val="604A7B"/>
               </a:solidFill>
             </a:endParaRPr>
           </a:p>
           <a:p>
-            <a:endParaRPr lang="pl-PL" dirty="0" smtClean="0">
+            <a:pPr lvl="1"/>
+            <a:r>
+              <a:rPr lang="pl-PL" dirty="0">
+                <a:solidFill>
+                  <a:srgbClr val="604A7B"/>
+                </a:solidFill>
+              </a:rPr>
+              <a:t>File </a:t>
+            </a:r>
+            <a:r>
+              <a:rPr lang="pl-PL" dirty="0" err="1">
+                <a:solidFill>
+                  <a:srgbClr val="604A7B"/>
+                </a:solidFill>
+              </a:rPr>
+              <a:t>scoped</a:t>
+            </a:r>
+            <a:r>
+              <a:rPr lang="pl-PL" dirty="0">
+                <a:solidFill>
+                  <a:srgbClr val="604A7B"/>
+                </a:solidFill>
+              </a:rPr>
+              <a:t> </a:t>
+            </a:r>
+            <a:r>
+              <a:rPr lang="pl-PL" dirty="0" err="1">
+                <a:solidFill>
+                  <a:srgbClr val="604A7B"/>
+                </a:solidFill>
+              </a:rPr>
+              <a:t>namespaces</a:t>
+            </a:r>
+            <a:endParaRPr lang="pl-PL" dirty="0">
+              <a:solidFill>
+                <a:srgbClr val="604A7B"/>
+              </a:solidFill>
+            </a:endParaRPr>
+          </a:p>
+          <a:p>
+            <a:pPr lvl="1"/>
+            <a:r>
+              <a:rPr lang="pl-PL" dirty="0">
+                <a:solidFill>
+                  <a:srgbClr val="604A7B"/>
+                </a:solidFill>
+              </a:rPr>
+              <a:t>Lambda </a:t>
+            </a:r>
+            <a:r>
+              <a:rPr lang="pl-PL" dirty="0" err="1">
+                <a:solidFill>
+                  <a:srgbClr val="604A7B"/>
+                </a:solidFill>
+              </a:rPr>
+              <a:t>improvements</a:t>
+            </a:r>
+            <a:r>
+              <a:rPr lang="pl-PL" dirty="0">
+                <a:solidFill>
+                  <a:srgbClr val="604A7B"/>
+                </a:solidFill>
+              </a:rPr>
+              <a:t> (</a:t>
+            </a:r>
+            <a:r>
+              <a:rPr lang="pl-PL" dirty="0" err="1">
+                <a:solidFill>
+                  <a:srgbClr val="604A7B"/>
+                </a:solidFill>
+              </a:rPr>
+              <a:t>attributes</a:t>
+            </a:r>
+            <a:r>
+              <a:rPr lang="pl-PL" dirty="0">
+                <a:solidFill>
+                  <a:srgbClr val="604A7B"/>
+                </a:solidFill>
+              </a:rPr>
+              <a:t>, </a:t>
+            </a:r>
+            <a:r>
+              <a:rPr lang="pl-PL" dirty="0" err="1">
+                <a:solidFill>
+                  <a:srgbClr val="604A7B"/>
+                </a:solidFill>
+              </a:rPr>
+              <a:t>explicit</a:t>
+            </a:r>
+            <a:r>
+              <a:rPr lang="pl-PL" dirty="0">
+                <a:solidFill>
+                  <a:srgbClr val="604A7B"/>
+                </a:solidFill>
+              </a:rPr>
+              <a:t> return </a:t>
+            </a:r>
+            <a:r>
+              <a:rPr lang="pl-PL" dirty="0" err="1">
+                <a:solidFill>
+                  <a:srgbClr val="604A7B"/>
+                </a:solidFill>
+              </a:rPr>
+              <a:t>type</a:t>
+            </a:r>
+            <a:r>
+              <a:rPr lang="pl-PL" dirty="0">
+                <a:solidFill>
+                  <a:srgbClr val="604A7B"/>
+                </a:solidFill>
+              </a:rPr>
+              <a:t>, </a:t>
+            </a:r>
+            <a:r>
+              <a:rPr lang="pl-PL" dirty="0" err="1">
+                <a:solidFill>
+                  <a:srgbClr val="604A7B"/>
+                </a:solidFill>
+              </a:rPr>
+              <a:t>infer</a:t>
+            </a:r>
+            <a:r>
+              <a:rPr lang="pl-PL" dirty="0">
+                <a:solidFill>
+                  <a:srgbClr val="604A7B"/>
+                </a:solidFill>
+              </a:rPr>
+              <a:t> </a:t>
+            </a:r>
+            <a:r>
+              <a:rPr lang="pl-PL" dirty="0" err="1">
+                <a:solidFill>
+                  <a:srgbClr val="604A7B"/>
+                </a:solidFill>
+              </a:rPr>
+              <a:t>type</a:t>
+            </a:r>
+            <a:r>
+              <a:rPr lang="pl-PL" dirty="0">
+                <a:solidFill>
+                  <a:srgbClr val="604A7B"/>
+                </a:solidFill>
+              </a:rPr>
+              <a:t>)</a:t>
+            </a:r>
+          </a:p>
+          <a:p>
+            <a:r>
+              <a:rPr lang="pl-PL" dirty="0" err="1">
+                <a:solidFill>
+                  <a:srgbClr val="604A7B"/>
+                </a:solidFill>
+              </a:rPr>
+              <a:t>Generic</a:t>
+            </a:r>
+            <a:r>
+              <a:rPr lang="pl-PL" dirty="0">
+                <a:solidFill>
+                  <a:srgbClr val="604A7B"/>
+                </a:solidFill>
+              </a:rPr>
+              <a:t> Math (</a:t>
+            </a:r>
+            <a:r>
+              <a:rPr lang="pl-PL" dirty="0" err="1">
+                <a:solidFill>
+                  <a:srgbClr val="604A7B"/>
+                </a:solidFill>
+              </a:rPr>
+              <a:t>preview</a:t>
+            </a:r>
+            <a:r>
+              <a:rPr lang="pl-PL" dirty="0">
+                <a:solidFill>
+                  <a:srgbClr val="604A7B"/>
+                </a:solidFill>
+              </a:rPr>
+              <a:t>!)</a:t>
+            </a:r>
+          </a:p>
+          <a:p>
+            <a:endParaRPr lang="pl-PL" dirty="0">
+              <a:solidFill>
+                <a:srgbClr val="604A7B"/>
+              </a:solidFill>
+            </a:endParaRPr>
+          </a:p>
+          <a:p>
+            <a:endParaRPr lang="pl-PL" dirty="0">
               <a:solidFill>
                 <a:srgbClr val="C00000"/>
               </a:solidFill>
             </a:endParaRPr>
           </a:p>
           <a:p>
-            <a:endParaRPr lang="pl-PL" dirty="0" smtClean="0"/>
+            <a:endParaRPr lang="pl-PL" dirty="0"/>
           </a:p>
           <a:p>
             <a:pPr marL="0" indent="0">
               <a:buNone/>
             </a:pPr>
-            <a:endParaRPr lang="pl-PL" i="1" dirty="0" smtClean="0">
+            <a:endParaRPr lang="pl-PL" i="1" dirty="0">
               <a:solidFill>
                 <a:schemeClr val="accent2"/>
               </a:solidFill>
@@ -6278,149 +6278,57 @@
           <a:chExt cx="0" cy="0"/>
         </a:xfrm>
       </p:grpSpPr>
-      <p:sp>
-        <p:nvSpPr>
-          <p:cNvPr id="4" name="Title 3"/>
-          <p:cNvSpPr>
-            <a:spLocks noGrp="1"/>
-          </p:cNvSpPr>
-          <p:nvPr>
-            <p:ph type="title"/>
-          </p:nvPr>
-        </p:nvSpPr>
-        <p:spPr/>
-        <p:txBody>
-          <a:bodyPr>
-            <a:normAutofit/>
-          </a:bodyPr>
-          <a:lstStyle/>
-          <a:p>
-            <a:r>
-              <a:rPr lang="en-US"/>
-              <a:t>Slide Title</a:t>
-            </a:r>
-            <a:endParaRPr lang="en-US" dirty="0"/>
-          </a:p>
-        </p:txBody>
-      </p:sp>
-      <p:sp>
-        <p:nvSpPr>
-          <p:cNvPr id="5" name="Text Placeholder 4"/>
-          <p:cNvSpPr>
-            <a:spLocks noGrp="1"/>
-          </p:cNvSpPr>
-          <p:nvPr>
-            <p:ph type="body" idx="1"/>
-          </p:nvPr>
-        </p:nvSpPr>
-        <p:spPr/>
-        <p:txBody>
-          <a:bodyPr/>
-          <a:lstStyle/>
-          <a:p>
-            <a:r>
-              <a:rPr lang="en-US"/>
-              <a:t>Product A</a:t>
-            </a:r>
-            <a:endParaRPr lang="en-US" dirty="0"/>
-          </a:p>
-        </p:txBody>
-      </p:sp>
-      <p:sp>
-        <p:nvSpPr>
-          <p:cNvPr id="6" name="Content Placeholder 5"/>
-          <p:cNvSpPr>
-            <a:spLocks noGrp="1"/>
-          </p:cNvSpPr>
-          <p:nvPr>
-            <p:ph sz="half" idx="2"/>
-          </p:nvPr>
-        </p:nvSpPr>
-        <p:spPr/>
-        <p:txBody>
-          <a:bodyPr/>
-          <a:lstStyle/>
-          <a:p>
-            <a:r>
-              <a:rPr lang="en-US"/>
-              <a:t>Feature 1</a:t>
-            </a:r>
-          </a:p>
-          <a:p>
-            <a:r>
-              <a:rPr lang="en-US"/>
-              <a:t>Feature 2</a:t>
-            </a:r>
-          </a:p>
-          <a:p>
-            <a:r>
-              <a:rPr lang="en-US"/>
-              <a:t>Feature 3</a:t>
-            </a:r>
-            <a:endParaRPr lang="en-US" dirty="0"/>
-          </a:p>
-        </p:txBody>
-      </p:sp>
-      <p:sp>
-        <p:nvSpPr>
-          <p:cNvPr id="7" name="Text Placeholder 6"/>
-          <p:cNvSpPr>
-            <a:spLocks noGrp="1"/>
-          </p:cNvSpPr>
-          <p:nvPr>
-            <p:ph type="body" sz="quarter" idx="3"/>
-          </p:nvPr>
-        </p:nvSpPr>
-        <p:spPr/>
-        <p:txBody>
-          <a:bodyPr/>
-          <a:lstStyle/>
-          <a:p>
-            <a:r>
-              <a:rPr lang="en-US"/>
-              <a:t>Product B</a:t>
-            </a:r>
-          </a:p>
-        </p:txBody>
-      </p:sp>
-      <p:sp>
-        <p:nvSpPr>
-          <p:cNvPr id="8" name="Content Placeholder 7"/>
-          <p:cNvSpPr>
-            <a:spLocks noGrp="1"/>
-          </p:cNvSpPr>
-          <p:nvPr>
-            <p:ph sz="quarter" idx="4"/>
-          </p:nvPr>
-        </p:nvSpPr>
-        <p:spPr/>
-        <p:txBody>
-          <a:bodyPr/>
-          <a:lstStyle/>
-          <a:p>
-            <a:r>
-              <a:rPr lang="en-US"/>
-              <a:t>Feature 1</a:t>
-            </a:r>
-          </a:p>
-          <a:p>
-            <a:r>
-              <a:rPr lang="en-US"/>
-              <a:t>Feature 2</a:t>
-            </a:r>
-          </a:p>
-          <a:p>
-            <a:r>
-              <a:rPr lang="en-US"/>
-              <a:t>Feature 3</a:t>
-            </a:r>
-          </a:p>
-        </p:txBody>
-      </p:sp>
+      <p:pic>
+        <p:nvPicPr>
+          <p:cNvPr id="4" name="Picture 4" descr="C Sharp (C#) Logo Vector">
+            <a:extLst>
+              <a:ext uri="{FF2B5EF4-FFF2-40B4-BE49-F238E27FC236}">
+                <a16:creationId xmlns:a16="http://schemas.microsoft.com/office/drawing/2014/main" id="{B21FC2DA-DD3B-41BA-812F-F118B6130F10}"/>
+              </a:ext>
+            </a:extLst>
+          </p:cNvPr>
+          <p:cNvPicPr>
+            <a:picLocks noChangeAspect="1" noChangeArrowheads="1"/>
+          </p:cNvPicPr>
+          <p:nvPr/>
+        </p:nvPicPr>
+        <p:blipFill>
+          <a:blip r:embed="rId3">
+            <a:extLst>
+              <a:ext uri="{28A0092B-C50C-407E-A947-70E740481C1C}">
+                <a14:useLocalDpi xmlns:a14="http://schemas.microsoft.com/office/drawing/2010/main" val="0"/>
+              </a:ext>
+            </a:extLst>
+          </a:blip>
+          <a:srcRect/>
+          <a:stretch>
+            <a:fillRect/>
+          </a:stretch>
+        </p:blipFill>
+        <p:spPr bwMode="auto">
+          <a:xfrm>
+            <a:off x="3072049" y="1628067"/>
+            <a:ext cx="1679755" cy="1887365"/>
+          </a:xfrm>
+          <a:prstGeom prst="rect">
+            <a:avLst/>
+          </a:prstGeom>
+          <a:noFill/>
+          <a:extLst>
+            <a:ext uri="{909E8E84-426E-40DD-AFC4-6F175D3DCCD1}">
+              <a14:hiddenFill xmlns:a14="http://schemas.microsoft.com/office/drawing/2010/main">
+                <a:solidFill>
+                  <a:srgbClr val="FFFFFF"/>
+                </a:solidFill>
+              </a14:hiddenFill>
+            </a:ext>
+          </a:extLst>
+        </p:spPr>
+      </p:pic>
     </p:spTree>
     <p:extLst>
       <p:ext uri="{BB962C8B-B14F-4D97-AF65-F5344CB8AC3E}">
-        <p14:creationId xmlns:p14="http://schemas.microsoft.com/office/powerpoint/2010/main" val="4170783713"/>
+        <p14:creationId xmlns:p14="http://schemas.microsoft.com/office/powerpoint/2010/main" val="109100692"/>
       </p:ext>
     </p:extLst>
   </p:cSld>
@@ -6465,7 +6373,7 @@
           <a:lstStyle/>
           <a:p>
             <a:r>
-              <a:rPr lang="pl-PL" dirty="0" smtClean="0"/>
+              <a:rPr lang="pl-PL" dirty="0"/>
               <a:t>Agenda</a:t>
             </a:r>
             <a:endParaRPr lang="en-US" dirty="0"/>
@@ -6545,248 +6453,6 @@
     <p:extLst>
       <p:ext uri="{BB962C8B-B14F-4D97-AF65-F5344CB8AC3E}">
         <p14:creationId xmlns:p14="http://schemas.microsoft.com/office/powerpoint/2010/main" val="4103309497"/>
-      </p:ext>
-    </p:extLst>
-  </p:cSld>
-  <p:clrMapOvr>
-    <a:masterClrMapping/>
-  </p:clrMapOvr>
-</p:sld>
-</file>
-
-<file path=ppt/slides/slide20.xml><?xml version="1.0" encoding="utf-8"?>
-<p:sld xmlns:a="http://schemas.openxmlformats.org/drawingml/2006/main" xmlns:r="http://schemas.openxmlformats.org/officeDocument/2006/relationships" xmlns:p="http://schemas.openxmlformats.org/presentationml/2006/main">
-  <p:cSld>
-    <p:spTree>
-      <p:nvGrpSpPr>
-        <p:cNvPr id="1" name=""/>
-        <p:cNvGrpSpPr/>
-        <p:nvPr/>
-      </p:nvGrpSpPr>
-      <p:grpSpPr>
-        <a:xfrm>
-          <a:off x="0" y="0"/>
-          <a:ext cx="0" cy="0"/>
-          <a:chOff x="0" y="0"/>
-          <a:chExt cx="0" cy="0"/>
-        </a:xfrm>
-      </p:grpSpPr>
-      <p:sp>
-        <p:nvSpPr>
-          <p:cNvPr id="4" name="Title 3"/>
-          <p:cNvSpPr>
-            <a:spLocks noGrp="1"/>
-          </p:cNvSpPr>
-          <p:nvPr>
-            <p:ph type="title"/>
-          </p:nvPr>
-        </p:nvSpPr>
-        <p:spPr/>
-        <p:txBody>
-          <a:bodyPr>
-            <a:normAutofit/>
-          </a:bodyPr>
-          <a:lstStyle/>
-          <a:p>
-            <a:r>
-              <a:rPr lang="en-US"/>
-              <a:t>Slide Title</a:t>
-            </a:r>
-            <a:endParaRPr lang="en-US" dirty="0"/>
-          </a:p>
-        </p:txBody>
-      </p:sp>
-      <p:sp>
-        <p:nvSpPr>
-          <p:cNvPr id="5" name="Text Placeholder 4"/>
-          <p:cNvSpPr>
-            <a:spLocks noGrp="1"/>
-          </p:cNvSpPr>
-          <p:nvPr>
-            <p:ph type="body" idx="1"/>
-          </p:nvPr>
-        </p:nvSpPr>
-        <p:spPr/>
-        <p:txBody>
-          <a:bodyPr/>
-          <a:lstStyle/>
-          <a:p>
-            <a:r>
-              <a:rPr lang="en-US"/>
-              <a:t>Product A</a:t>
-            </a:r>
-            <a:endParaRPr lang="en-US" dirty="0"/>
-          </a:p>
-        </p:txBody>
-      </p:sp>
-      <p:sp>
-        <p:nvSpPr>
-          <p:cNvPr id="6" name="Content Placeholder 5"/>
-          <p:cNvSpPr>
-            <a:spLocks noGrp="1"/>
-          </p:cNvSpPr>
-          <p:nvPr>
-            <p:ph sz="half" idx="2"/>
-          </p:nvPr>
-        </p:nvSpPr>
-        <p:spPr/>
-        <p:txBody>
-          <a:bodyPr/>
-          <a:lstStyle/>
-          <a:p>
-            <a:r>
-              <a:rPr lang="en-US"/>
-              <a:t>Feature 1</a:t>
-            </a:r>
-          </a:p>
-          <a:p>
-            <a:r>
-              <a:rPr lang="en-US"/>
-              <a:t>Feature 2</a:t>
-            </a:r>
-          </a:p>
-          <a:p>
-            <a:r>
-              <a:rPr lang="en-US"/>
-              <a:t>Feature 3</a:t>
-            </a:r>
-            <a:endParaRPr lang="en-US" dirty="0"/>
-          </a:p>
-        </p:txBody>
-      </p:sp>
-      <p:sp>
-        <p:nvSpPr>
-          <p:cNvPr id="7" name="Text Placeholder 6"/>
-          <p:cNvSpPr>
-            <a:spLocks noGrp="1"/>
-          </p:cNvSpPr>
-          <p:nvPr>
-            <p:ph type="body" sz="quarter" idx="3"/>
-          </p:nvPr>
-        </p:nvSpPr>
-        <p:spPr/>
-        <p:txBody>
-          <a:bodyPr/>
-          <a:lstStyle/>
-          <a:p>
-            <a:r>
-              <a:rPr lang="en-US"/>
-              <a:t>Product B</a:t>
-            </a:r>
-          </a:p>
-        </p:txBody>
-      </p:sp>
-      <p:sp>
-        <p:nvSpPr>
-          <p:cNvPr id="8" name="Content Placeholder 7"/>
-          <p:cNvSpPr>
-            <a:spLocks noGrp="1"/>
-          </p:cNvSpPr>
-          <p:nvPr>
-            <p:ph sz="quarter" idx="4"/>
-          </p:nvPr>
-        </p:nvSpPr>
-        <p:spPr/>
-        <p:txBody>
-          <a:bodyPr/>
-          <a:lstStyle/>
-          <a:p>
-            <a:r>
-              <a:rPr lang="en-US"/>
-              <a:t>Feature 1</a:t>
-            </a:r>
-          </a:p>
-          <a:p>
-            <a:r>
-              <a:rPr lang="en-US"/>
-              <a:t>Feature 2</a:t>
-            </a:r>
-          </a:p>
-          <a:p>
-            <a:r>
-              <a:rPr lang="en-US"/>
-              <a:t>Feature 3</a:t>
-            </a:r>
-          </a:p>
-        </p:txBody>
-      </p:sp>
-    </p:spTree>
-    <p:extLst>
-      <p:ext uri="{BB962C8B-B14F-4D97-AF65-F5344CB8AC3E}">
-        <p14:creationId xmlns:p14="http://schemas.microsoft.com/office/powerpoint/2010/main" val="3539647576"/>
-      </p:ext>
-    </p:extLst>
-  </p:cSld>
-  <p:clrMapOvr>
-    <a:masterClrMapping/>
-  </p:clrMapOvr>
-</p:sld>
-</file>
-
-<file path=ppt/slides/slide21.xml><?xml version="1.0" encoding="utf-8"?>
-<p:sld xmlns:a="http://schemas.openxmlformats.org/drawingml/2006/main" xmlns:r="http://schemas.openxmlformats.org/officeDocument/2006/relationships" xmlns:p="http://schemas.openxmlformats.org/presentationml/2006/main">
-  <p:cSld>
-    <p:spTree>
-      <p:nvGrpSpPr>
-        <p:cNvPr id="1" name=""/>
-        <p:cNvGrpSpPr/>
-        <p:nvPr/>
-      </p:nvGrpSpPr>
-      <p:grpSpPr>
-        <a:xfrm>
-          <a:off x="0" y="0"/>
-          <a:ext cx="0" cy="0"/>
-          <a:chOff x="0" y="0"/>
-          <a:chExt cx="0" cy="0"/>
-        </a:xfrm>
-      </p:grpSpPr>
-      <p:pic>
-        <p:nvPicPr>
-          <p:cNvPr id="3" name="Picture 2" descr="E:\websites\free-power-point-templates\2012\logos.png"/>
-          <p:cNvPicPr>
-            <a:picLocks noChangeAspect="1" noChangeArrowheads="1"/>
-          </p:cNvPicPr>
-          <p:nvPr/>
-        </p:nvPicPr>
-        <p:blipFill>
-          <a:blip r:embed="rId3">
-            <a:extLst>
-              <a:ext uri="{28A0092B-C50C-407E-A947-70E740481C1C}">
-                <a14:useLocalDpi xmlns:a14="http://schemas.microsoft.com/office/drawing/2010/main" val="0"/>
-              </a:ext>
-            </a:extLst>
-          </a:blip>
-          <a:stretch>
-            <a:fillRect/>
-          </a:stretch>
-        </p:blipFill>
-        <p:spPr bwMode="auto">
-          <a:xfrm>
-            <a:off x="3808475" y="2326213"/>
-            <a:ext cx="1463784" cy="526961"/>
-          </a:xfrm>
-          <a:prstGeom prst="rect">
-            <a:avLst/>
-          </a:prstGeom>
-          <a:noFill/>
-          <a:ln>
-            <a:noFill/>
-          </a:ln>
-          <a:extLst>
-            <a:ext uri="{909E8E84-426E-40DD-AFC4-6F175D3DCCD1}">
-              <a14:hiddenFill xmlns:a14="http://schemas.microsoft.com/office/drawing/2010/main">
-                <a:solidFill>
-                  <a:srgbClr val="FFFFFF"/>
-                </a:solidFill>
-              </a14:hiddenFill>
-            </a:ext>
-          </a:extLst>
-        </p:spPr>
-      </p:pic>
-    </p:spTree>
-    <p:extLst>
-      <p:ext uri="{BB962C8B-B14F-4D97-AF65-F5344CB8AC3E}">
-        <p14:creationId xmlns:p14="http://schemas.microsoft.com/office/powerpoint/2010/main" val="109100692"/>
       </p:ext>
     </p:extLst>
   </p:cSld>
@@ -6815,6 +6481,162 @@
       </p:grpSpPr>
       <p:sp>
         <p:nvSpPr>
+          <p:cNvPr id="2" name="Tytuł 1">
+            <a:extLst>
+              <a:ext uri="{FF2B5EF4-FFF2-40B4-BE49-F238E27FC236}">
+                <a16:creationId xmlns:a16="http://schemas.microsoft.com/office/drawing/2014/main" id="{108E916E-40CA-45E5-B6CA-5CEE67A10835}"/>
+              </a:ext>
+            </a:extLst>
+          </p:cNvPr>
+          <p:cNvSpPr>
+            <a:spLocks noGrp="1"/>
+          </p:cNvSpPr>
+          <p:nvPr>
+            <p:ph type="title"/>
+          </p:nvPr>
+        </p:nvSpPr>
+        <p:spPr>
+          <a:xfrm>
+            <a:off x="457200" y="306335"/>
+            <a:ext cx="8390540" cy="763525"/>
+          </a:xfrm>
+        </p:spPr>
+        <p:txBody>
+          <a:bodyPr>
+            <a:normAutofit/>
+          </a:bodyPr>
+          <a:lstStyle/>
+          <a:p>
+            <a:r>
+              <a:rPr lang="en-US" dirty="0"/>
+              <a:t>The State of Developer Ecosystem 2021</a:t>
+            </a:r>
+            <a:endParaRPr lang="pl-PL" dirty="0"/>
+          </a:p>
+        </p:txBody>
+      </p:sp>
+      <p:pic>
+        <p:nvPicPr>
+          <p:cNvPr id="5" name="Obraz 4">
+            <a:extLst>
+              <a:ext uri="{FF2B5EF4-FFF2-40B4-BE49-F238E27FC236}">
+                <a16:creationId xmlns:a16="http://schemas.microsoft.com/office/drawing/2014/main" id="{676841DA-1327-4ED5-99D9-8B9FB29A07EF}"/>
+              </a:ext>
+            </a:extLst>
+          </p:cNvPr>
+          <p:cNvPicPr>
+            <a:picLocks noChangeAspect="1"/>
+          </p:cNvPicPr>
+          <p:nvPr/>
+        </p:nvPicPr>
+        <p:blipFill>
+          <a:blip r:embed="rId2"/>
+          <a:stretch>
+            <a:fillRect/>
+          </a:stretch>
+        </p:blipFill>
+        <p:spPr>
+          <a:xfrm>
+            <a:off x="457200" y="1350110"/>
+            <a:ext cx="4600811" cy="3487980"/>
+          </a:xfrm>
+          <a:prstGeom prst="rect">
+            <a:avLst/>
+          </a:prstGeom>
+        </p:spPr>
+      </p:pic>
+      <p:pic>
+        <p:nvPicPr>
+          <p:cNvPr id="6" name="Obraz 5">
+            <a:extLst>
+              <a:ext uri="{FF2B5EF4-FFF2-40B4-BE49-F238E27FC236}">
+                <a16:creationId xmlns:a16="http://schemas.microsoft.com/office/drawing/2014/main" id="{5ECC59F4-8D64-4E4E-AC06-D493688F7CC6}"/>
+              </a:ext>
+            </a:extLst>
+          </p:cNvPr>
+          <p:cNvPicPr>
+            <a:picLocks noChangeAspect="1"/>
+          </p:cNvPicPr>
+          <p:nvPr/>
+        </p:nvPicPr>
+        <p:blipFill>
+          <a:blip r:embed="rId3"/>
+          <a:stretch>
+            <a:fillRect/>
+          </a:stretch>
+        </p:blipFill>
+        <p:spPr>
+          <a:xfrm>
+            <a:off x="5906873" y="1042705"/>
+            <a:ext cx="547827" cy="3970330"/>
+          </a:xfrm>
+          <a:prstGeom prst="rect">
+            <a:avLst/>
+          </a:prstGeom>
+        </p:spPr>
+      </p:pic>
+      <p:pic>
+        <p:nvPicPr>
+          <p:cNvPr id="7" name="Obraz 6">
+            <a:extLst>
+              <a:ext uri="{FF2B5EF4-FFF2-40B4-BE49-F238E27FC236}">
+                <a16:creationId xmlns:a16="http://schemas.microsoft.com/office/drawing/2014/main" id="{0B7170C9-6256-4DA3-9044-A99520D87981}"/>
+              </a:ext>
+            </a:extLst>
+          </p:cNvPr>
+          <p:cNvPicPr>
+            <a:picLocks noChangeAspect="1"/>
+          </p:cNvPicPr>
+          <p:nvPr/>
+        </p:nvPicPr>
+        <p:blipFill>
+          <a:blip r:embed="rId4"/>
+          <a:stretch>
+            <a:fillRect/>
+          </a:stretch>
+        </p:blipFill>
+        <p:spPr>
+          <a:xfrm>
+            <a:off x="6557165" y="1216209"/>
+            <a:ext cx="1209926" cy="3744872"/>
+          </a:xfrm>
+          <a:prstGeom prst="rect">
+            <a:avLst/>
+          </a:prstGeom>
+        </p:spPr>
+      </p:pic>
+    </p:spTree>
+    <p:extLst>
+      <p:ext uri="{BB962C8B-B14F-4D97-AF65-F5344CB8AC3E}">
+        <p14:creationId xmlns:p14="http://schemas.microsoft.com/office/powerpoint/2010/main" val="2588147306"/>
+      </p:ext>
+    </p:extLst>
+  </p:cSld>
+  <p:clrMapOvr>
+    <a:masterClrMapping/>
+  </p:clrMapOvr>
+</p:sld>
+</file>
+
+<file path=ppt/slides/slide4.xml><?xml version="1.0" encoding="utf-8"?>
+<p:sld xmlns:a="http://schemas.openxmlformats.org/drawingml/2006/main" xmlns:r="http://schemas.openxmlformats.org/officeDocument/2006/relationships" xmlns:p="http://schemas.openxmlformats.org/presentationml/2006/main">
+  <p:cSld>
+    <p:spTree>
+      <p:nvGrpSpPr>
+        <p:cNvPr id="1" name=""/>
+        <p:cNvGrpSpPr/>
+        <p:nvPr/>
+      </p:nvGrpSpPr>
+      <p:grpSpPr>
+        <a:xfrm>
+          <a:off x="0" y="0"/>
+          <a:ext cx="0" cy="0"/>
+          <a:chOff x="0" y="0"/>
+          <a:chExt cx="0" cy="0"/>
+        </a:xfrm>
+      </p:grpSpPr>
+      <p:sp>
+        <p:nvSpPr>
           <p:cNvPr id="4" name="Title 3"/>
           <p:cNvSpPr>
             <a:spLocks noGrp="1"/>
@@ -6836,11 +6658,11 @@
           <a:lstStyle/>
           <a:p>
             <a:r>
-              <a:rPr lang="pl-PL" sz="4800" dirty="0" smtClean="0"/>
+              <a:rPr lang="pl-PL" sz="4800" dirty="0"/>
               <a:t>Anders </a:t>
             </a:r>
             <a:r>
-              <a:rPr lang="pl-PL" sz="4800" dirty="0" err="1" smtClean="0"/>
+              <a:rPr lang="pl-PL" sz="4800" dirty="0" err="1"/>
               <a:t>Hejlsberg</a:t>
             </a:r>
             <a:endParaRPr lang="en-US" sz="4800" dirty="0"/>
@@ -6993,7 +6815,7 @@
         </p:blipFill>
         <p:spPr bwMode="auto">
           <a:xfrm>
-            <a:off x="1823309" y="2419045"/>
+            <a:off x="1823311" y="2419045"/>
             <a:ext cx="1679755" cy="1887365"/>
           </a:xfrm>
           <a:prstGeom prst="rect">
@@ -7015,102 +6837,6 @@
     <p:extLst>
       <p:ext uri="{BB962C8B-B14F-4D97-AF65-F5344CB8AC3E}">
         <p14:creationId xmlns:p14="http://schemas.microsoft.com/office/powerpoint/2010/main" val="1101633878"/>
-      </p:ext>
-    </p:extLst>
-  </p:cSld>
-  <p:clrMapOvr>
-    <a:masterClrMapping/>
-  </p:clrMapOvr>
-</p:sld>
-</file>
-
-<file path=ppt/slides/slide4.xml><?xml version="1.0" encoding="utf-8"?>
-<p:sld xmlns:a="http://schemas.openxmlformats.org/drawingml/2006/main" xmlns:r="http://schemas.openxmlformats.org/officeDocument/2006/relationships" xmlns:p="http://schemas.openxmlformats.org/presentationml/2006/main">
-  <p:cSld>
-    <p:spTree>
-      <p:nvGrpSpPr>
-        <p:cNvPr id="1" name=""/>
-        <p:cNvGrpSpPr/>
-        <p:nvPr/>
-      </p:nvGrpSpPr>
-      <p:grpSpPr>
-        <a:xfrm>
-          <a:off x="0" y="0"/>
-          <a:ext cx="0" cy="0"/>
-          <a:chOff x="0" y="0"/>
-          <a:chExt cx="0" cy="0"/>
-        </a:xfrm>
-      </p:grpSpPr>
-      <p:sp>
-        <p:nvSpPr>
-          <p:cNvPr id="4" name="Title 3"/>
-          <p:cNvSpPr>
-            <a:spLocks noGrp="1"/>
-          </p:cNvSpPr>
-          <p:nvPr>
-            <p:ph type="title"/>
-          </p:nvPr>
-        </p:nvSpPr>
-        <p:spPr/>
-        <p:txBody>
-          <a:bodyPr>
-            <a:normAutofit/>
-          </a:bodyPr>
-          <a:lstStyle/>
-          <a:p>
-            <a:r>
-              <a:rPr lang="pl-PL" dirty="0" smtClean="0"/>
-              <a:t>Jak działa kompilacja C#</a:t>
-            </a:r>
-            <a:endParaRPr lang="en-US" dirty="0"/>
-          </a:p>
-        </p:txBody>
-      </p:sp>
-      <p:pic>
-        <p:nvPicPr>
-          <p:cNvPr id="3076" name="Picture 4" descr="Code Execution Process"/>
-          <p:cNvPicPr>
-            <a:picLocks noChangeAspect="1" noChangeArrowheads="1"/>
-          </p:cNvPicPr>
-          <p:nvPr/>
-        </p:nvPicPr>
-        <p:blipFill>
-          <a:blip r:embed="rId2">
-            <a:extLst>
-              <a:ext uri="{28A0092B-C50C-407E-A947-70E740481C1C}">
-                <a14:useLocalDpi xmlns:a14="http://schemas.microsoft.com/office/drawing/2010/main" val="0"/>
-              </a:ext>
-            </a:extLst>
-          </a:blip>
-          <a:srcRect/>
-          <a:stretch>
-            <a:fillRect/>
-          </a:stretch>
-        </p:blipFill>
-        <p:spPr bwMode="auto">
-          <a:xfrm>
-            <a:off x="2128720" y="1197405"/>
-            <a:ext cx="5039265" cy="3537177"/>
-          </a:xfrm>
-          <a:prstGeom prst="rect">
-            <a:avLst/>
-          </a:prstGeom>
-          <a:noFill/>
-          <a:extLst>
-            <a:ext uri="{909E8E84-426E-40DD-AFC4-6F175D3DCCD1}">
-              <a14:hiddenFill xmlns:a14="http://schemas.microsoft.com/office/drawing/2010/main">
-                <a:solidFill>
-                  <a:srgbClr val="FFFFFF"/>
-                </a:solidFill>
-              </a14:hiddenFill>
-            </a:ext>
-          </a:extLst>
-        </p:spPr>
-      </p:pic>
-    </p:spTree>
-    <p:extLst>
-      <p:ext uri="{BB962C8B-B14F-4D97-AF65-F5344CB8AC3E}">
-        <p14:creationId xmlns:p14="http://schemas.microsoft.com/office/powerpoint/2010/main" val="93200306"/>
       </p:ext>
     </p:extLst>
   </p:cSld>
@@ -7147,7 +6873,12 @@
             <p:ph type="title"/>
           </p:nvPr>
         </p:nvSpPr>
-        <p:spPr/>
+        <p:spPr>
+          <a:xfrm>
+            <a:off x="437442" y="281175"/>
+            <a:ext cx="6252670" cy="763525"/>
+          </a:xfrm>
+        </p:spPr>
         <p:txBody>
           <a:bodyPr>
             <a:normAutofit/>
@@ -7155,50 +6886,146 @@
           <a:lstStyle/>
           <a:p>
             <a:r>
-              <a:rPr lang="pl-PL" dirty="0" err="1" smtClean="0"/>
-              <a:t>Roslyn</a:t>
+              <a:rPr lang="pl-PL" dirty="0"/>
+              <a:t>Kompilator C#</a:t>
             </a:r>
             <a:endParaRPr lang="en-US" dirty="0"/>
           </a:p>
         </p:txBody>
       </p:sp>
-      <p:sp>
-        <p:nvSpPr>
-          <p:cNvPr id="5" name="Content Placeholder 4"/>
-          <p:cNvSpPr>
-            <a:spLocks noGrp="1"/>
-          </p:cNvSpPr>
-          <p:nvPr>
-            <p:ph idx="1"/>
+      <p:pic>
+        <p:nvPicPr>
+          <p:cNvPr id="3076" name="Picture 4" descr="Code Execution Process"/>
+          <p:cNvPicPr>
+            <a:picLocks noChangeAspect="1" noChangeArrowheads="1"/>
+          </p:cNvPicPr>
+          <p:nvPr/>
+        </p:nvPicPr>
+        <p:blipFill>
+          <a:blip r:embed="rId2">
+            <a:extLst>
+              <a:ext uri="{28A0092B-C50C-407E-A947-70E740481C1C}">
+                <a14:useLocalDpi xmlns:a14="http://schemas.microsoft.com/office/drawing/2010/main" val="0"/>
+              </a:ext>
+            </a:extLst>
+          </a:blip>
+          <a:srcRect/>
+          <a:stretch>
+            <a:fillRect/>
+          </a:stretch>
+        </p:blipFill>
+        <p:spPr bwMode="auto">
+          <a:xfrm>
+            <a:off x="437442" y="1044700"/>
+            <a:ext cx="5039265" cy="3537177"/>
+          </a:xfrm>
+          <a:prstGeom prst="rect">
+            <a:avLst/>
+          </a:prstGeom>
+          <a:noFill/>
+          <a:extLst>
+            <a:ext uri="{909E8E84-426E-40DD-AFC4-6F175D3DCCD1}">
+              <a14:hiddenFill xmlns:a14="http://schemas.microsoft.com/office/drawing/2010/main">
+                <a:solidFill>
+                  <a:srgbClr val="FFFFFF"/>
+                </a:solidFill>
+              </a14:hiddenFill>
+            </a:ext>
+          </a:extLst>
+        </p:spPr>
+      </p:pic>
+    </p:spTree>
+    <p:extLst>
+      <p:ext uri="{BB962C8B-B14F-4D97-AF65-F5344CB8AC3E}">
+        <p14:creationId xmlns:p14="http://schemas.microsoft.com/office/powerpoint/2010/main" val="93200306"/>
+      </p:ext>
+    </p:extLst>
+  </p:cSld>
+  <p:clrMapOvr>
+    <a:masterClrMapping/>
+  </p:clrMapOvr>
+</p:sld>
+</file>
+
+<file path=ppt/slides/slide6.xml><?xml version="1.0" encoding="utf-8"?>
+<p:sld xmlns:a="http://schemas.openxmlformats.org/drawingml/2006/main" xmlns:r="http://schemas.openxmlformats.org/officeDocument/2006/relationships" xmlns:p="http://schemas.openxmlformats.org/presentationml/2006/main">
+  <p:cSld>
+    <p:spTree>
+      <p:nvGrpSpPr>
+        <p:cNvPr id="1" name=""/>
+        <p:cNvGrpSpPr/>
+        <p:nvPr/>
+      </p:nvGrpSpPr>
+      <p:grpSpPr>
+        <a:xfrm>
+          <a:off x="0" y="0"/>
+          <a:ext cx="0" cy="0"/>
+          <a:chOff x="0" y="0"/>
+          <a:chExt cx="0" cy="0"/>
+        </a:xfrm>
+      </p:grpSpPr>
+      <p:sp>
+        <p:nvSpPr>
+          <p:cNvPr id="4" name="Title 3"/>
+          <p:cNvSpPr>
+            <a:spLocks noGrp="1"/>
+          </p:cNvSpPr>
+          <p:nvPr>
+            <p:ph type="title"/>
           </p:nvPr>
         </p:nvSpPr>
         <p:spPr/>
         <p:txBody>
           <a:bodyPr>
-            <a:normAutofit lnSpcReduction="10000"/>
+            <a:normAutofit/>
           </a:bodyPr>
           <a:lstStyle/>
           <a:p>
             <a:r>
-              <a:rPr lang="pl-PL" dirty="0" smtClean="0"/>
+              <a:rPr lang="pl-PL" dirty="0" err="1"/>
+              <a:t>Roslyn</a:t>
+            </a:r>
+            <a:endParaRPr lang="en-US" dirty="0"/>
+          </a:p>
+        </p:txBody>
+      </p:sp>
+      <p:sp>
+        <p:nvSpPr>
+          <p:cNvPr id="5" name="Content Placeholder 4"/>
+          <p:cNvSpPr>
+            <a:spLocks noGrp="1"/>
+          </p:cNvSpPr>
+          <p:nvPr>
+            <p:ph idx="1"/>
+          </p:nvPr>
+        </p:nvSpPr>
+        <p:spPr/>
+        <p:txBody>
+          <a:bodyPr>
+            <a:normAutofit fontScale="92500" lnSpcReduction="20000"/>
+          </a:bodyPr>
+          <a:lstStyle/>
+          <a:p>
+            <a:r>
+              <a:rPr lang="pl-PL" dirty="0"/>
               <a:t>„Uniezależnienie” dostarczania kompilatora od środowiska uruchomieniowego (</a:t>
             </a:r>
             <a:r>
-              <a:rPr lang="pl-PL" dirty="0" err="1" smtClean="0"/>
+              <a:rPr lang="pl-PL" dirty="0" err="1"/>
               <a:t>runtime</a:t>
             </a:r>
             <a:r>
-              <a:rPr lang="pl-PL" dirty="0" smtClean="0"/>
+              <a:rPr lang="pl-PL" dirty="0"/>
               <a:t>)</a:t>
             </a:r>
           </a:p>
           <a:p>
             <a:r>
-              <a:rPr lang="pl-PL" dirty="0" smtClean="0"/>
+              <a:rPr lang="pl-PL" dirty="0"/>
               <a:t>Możliwość rozszerzania działania kompilatora – analizatory w czasie </a:t>
             </a:r>
             <a:r>
-              <a:rPr lang="pl-PL" i="1" dirty="0" err="1" smtClean="0">
+              <a:rPr lang="pl-PL" i="1" dirty="0" err="1">
                 <a:solidFill>
                   <a:schemeClr val="accent2"/>
                 </a:solidFill>
@@ -7206,7 +7033,7 @@
               <a:t>compiler</a:t>
             </a:r>
             <a:r>
-              <a:rPr lang="pl-PL" i="1" dirty="0" smtClean="0">
+              <a:rPr lang="pl-PL" i="1" dirty="0">
                 <a:solidFill>
                   <a:schemeClr val="accent2"/>
                 </a:solidFill>
@@ -7214,14 +7041,14 @@
               <a:t> </a:t>
             </a:r>
             <a:r>
-              <a:rPr lang="pl-PL" i="1" dirty="0" err="1" smtClean="0">
+              <a:rPr lang="pl-PL" i="1" dirty="0" err="1">
                 <a:solidFill>
                   <a:schemeClr val="accent2"/>
                 </a:solidFill>
               </a:rPr>
               <a:t>time</a:t>
             </a:r>
-            <a:endParaRPr lang="pl-PL" i="1" dirty="0" smtClean="0">
+            <a:endParaRPr lang="pl-PL" i="1" dirty="0">
               <a:solidFill>
                 <a:schemeClr val="accent2"/>
               </a:solidFill>
@@ -7229,22 +7056,42 @@
           </a:p>
           <a:p>
             <a:r>
-              <a:rPr lang="pl-PL" dirty="0" smtClean="0"/>
+              <a:rPr lang="pl-PL" dirty="0"/>
               <a:t>Publiczne API dostępne  w czasie </a:t>
             </a:r>
             <a:r>
-              <a:rPr lang="pl-PL" i="1" dirty="0" err="1" smtClean="0">
+              <a:rPr lang="pl-PL" i="1" dirty="0" err="1">
                 <a:solidFill>
                   <a:schemeClr val="accent2"/>
                 </a:solidFill>
               </a:rPr>
               <a:t>runtime</a:t>
             </a:r>
-            <a:endParaRPr lang="en-US" i="1" dirty="0">
+            <a:endParaRPr lang="pl-PL" i="1" dirty="0">
               <a:solidFill>
                 <a:schemeClr val="accent2"/>
               </a:solidFill>
             </a:endParaRPr>
+          </a:p>
+          <a:p>
+            <a:r>
+              <a:rPr lang="pl-PL" i="1" dirty="0">
+                <a:solidFill>
+                  <a:srgbClr val="604A7B"/>
+                </a:solidFill>
+              </a:rPr>
+              <a:t>https://github.com/dotnet/csharplang</a:t>
+            </a:r>
+          </a:p>
+          <a:p>
+            <a:r>
+              <a:rPr lang="en-US" i="1" dirty="0">
+                <a:solidFill>
+                  <a:srgbClr val="604A7B"/>
+                </a:solidFill>
+              </a:rPr>
+              <a:t>https://github.com/dotnet/roslyn</a:t>
+            </a:r>
           </a:p>
         </p:txBody>
       </p:sp>
@@ -7330,6 +7177,53 @@
           </a:extLst>
         </p:spPr>
       </p:pic>
+      <p:pic>
+        <p:nvPicPr>
+          <p:cNvPr id="1036" name="Picture 12" descr="GitHub logo PNG">
+            <a:extLst>
+              <a:ext uri="{FF2B5EF4-FFF2-40B4-BE49-F238E27FC236}">
+                <a16:creationId xmlns:a16="http://schemas.microsoft.com/office/drawing/2014/main" id="{9096A007-2D2D-495C-BCDE-E68ED666743E}"/>
+              </a:ext>
+            </a:extLst>
+          </p:cNvPr>
+          <p:cNvPicPr>
+            <a:picLocks noChangeAspect="1" noChangeArrowheads="1"/>
+          </p:cNvPicPr>
+          <p:nvPr/>
+        </p:nvPicPr>
+        <p:blipFill>
+          <a:blip r:embed="rId4" cstate="print">
+            <a:extLst>
+              <a:ext uri="{28A0092B-C50C-407E-A947-70E740481C1C}">
+                <a14:useLocalDpi xmlns:a14="http://schemas.microsoft.com/office/drawing/2010/main" val="0"/>
+              </a:ext>
+            </a:extLst>
+          </a:blip>
+          <a:srcRect/>
+          <a:stretch>
+            <a:fillRect/>
+          </a:stretch>
+        </p:blipFill>
+        <p:spPr bwMode="auto">
+          <a:xfrm>
+            <a:off x="6709870" y="2898860"/>
+            <a:ext cx="1655520" cy="1655520"/>
+          </a:xfrm>
+          <a:prstGeom prst="rect">
+            <a:avLst/>
+          </a:prstGeom>
+          <a:noFill/>
+          <a:extLst>
+            <a:ext uri="{909E8E84-426E-40DD-AFC4-6F175D3DCCD1}">
+              <a14:hiddenFill xmlns:a14="http://schemas.microsoft.com/office/drawing/2010/main">
+                <a:solidFill>
+                  <a:srgbClr val="FFFFFF"/>
+                </a:solidFill>
+              </a14:hiddenFill>
+            </a:ext>
+          </a:extLst>
+        </p:spPr>
+      </p:pic>
     </p:spTree>
     <p:extLst>
       <p:ext uri="{BB962C8B-B14F-4D97-AF65-F5344CB8AC3E}">
@@ -7343,7 +7237,7 @@
 </p:sld>
 </file>
 
-<file path=ppt/slides/slide6.xml><?xml version="1.0" encoding="utf-8"?>
+<file path=ppt/slides/slide7.xml><?xml version="1.0" encoding="utf-8"?>
 <p:sld xmlns:a="http://schemas.openxmlformats.org/drawingml/2006/main" xmlns:r="http://schemas.openxmlformats.org/officeDocument/2006/relationships" xmlns:p="http://schemas.openxmlformats.org/presentationml/2006/main">
   <p:cSld>
     <p:spTree>
@@ -7378,11 +7272,11 @@
           <a:lstStyle/>
           <a:p>
             <a:r>
-              <a:rPr lang="pl-PL" dirty="0" err="1" smtClean="0"/>
+              <a:rPr lang="pl-PL" dirty="0" err="1"/>
               <a:t>Roslyn</a:t>
             </a:r>
             <a:r>
-              <a:rPr lang="pl-PL" dirty="0" smtClean="0"/>
+              <a:rPr lang="pl-PL" dirty="0"/>
               <a:t> API</a:t>
             </a:r>
             <a:endParaRPr lang="en-US" dirty="0"/>
@@ -7443,7 +7337,7 @@
 </p:sld>
 </file>
 
-<file path=ppt/slides/slide7.xml><?xml version="1.0" encoding="utf-8"?>
+<file path=ppt/slides/slide8.xml><?xml version="1.0" encoding="utf-8"?>
 <p:sld xmlns:a="http://schemas.openxmlformats.org/drawingml/2006/main" xmlns:r="http://schemas.openxmlformats.org/officeDocument/2006/relationships" xmlns:p="http://schemas.openxmlformats.org/presentationml/2006/main">
   <p:cSld>
     <p:spTree>
@@ -7478,7 +7372,7 @@
           <a:lstStyle/>
           <a:p>
             <a:r>
-              <a:rPr lang="pl-PL" dirty="0" err="1" smtClean="0"/>
+              <a:rPr lang="pl-PL" dirty="0" err="1"/>
               <a:t>Omnisharp</a:t>
             </a:r>
             <a:endParaRPr lang="en-US" dirty="0"/>
@@ -7785,74 +7679,6 @@
 </p:sld>
 </file>
 
-<file path=ppt/slides/slide8.xml><?xml version="1.0" encoding="utf-8"?>
-<p:sld xmlns:a="http://schemas.openxmlformats.org/drawingml/2006/main" xmlns:r="http://schemas.openxmlformats.org/officeDocument/2006/relationships" xmlns:p="http://schemas.openxmlformats.org/presentationml/2006/main">
-  <p:cSld>
-    <p:spTree>
-      <p:nvGrpSpPr>
-        <p:cNvPr id="1" name=""/>
-        <p:cNvGrpSpPr/>
-        <p:nvPr/>
-      </p:nvGrpSpPr>
-      <p:grpSpPr>
-        <a:xfrm>
-          <a:off x="0" y="0"/>
-          <a:ext cx="0" cy="0"/>
-          <a:chOff x="0" y="0"/>
-          <a:chExt cx="0" cy="0"/>
-        </a:xfrm>
-      </p:grpSpPr>
-      <p:sp>
-        <p:nvSpPr>
-          <p:cNvPr id="2" name="Tytuł 1"/>
-          <p:cNvSpPr>
-            <a:spLocks noGrp="1"/>
-          </p:cNvSpPr>
-          <p:nvPr>
-            <p:ph type="title"/>
-          </p:nvPr>
-        </p:nvSpPr>
-        <p:spPr/>
-        <p:txBody>
-          <a:bodyPr/>
-          <a:lstStyle/>
-          <a:p>
-            <a:endParaRPr lang="pl-PL"/>
-          </a:p>
-        </p:txBody>
-      </p:sp>
-      <p:sp>
-        <p:nvSpPr>
-          <p:cNvPr id="3" name="Symbol zastępczy zawartości 2"/>
-          <p:cNvSpPr>
-            <a:spLocks noGrp="1"/>
-          </p:cNvSpPr>
-          <p:nvPr>
-            <p:ph idx="1"/>
-          </p:nvPr>
-        </p:nvSpPr>
-        <p:spPr/>
-        <p:txBody>
-          <a:bodyPr/>
-          <a:lstStyle/>
-          <a:p>
-            <a:endParaRPr lang="pl-PL"/>
-          </a:p>
-        </p:txBody>
-      </p:sp>
-    </p:spTree>
-    <p:extLst>
-      <p:ext uri="{BB962C8B-B14F-4D97-AF65-F5344CB8AC3E}">
-        <p14:creationId xmlns:p14="http://schemas.microsoft.com/office/powerpoint/2010/main" val="2844371079"/>
-      </p:ext>
-    </p:extLst>
-  </p:cSld>
-  <p:clrMapOvr>
-    <a:masterClrMapping/>
-  </p:clrMapOvr>
-</p:sld>
-</file>
-
 <file path=ppt/slides/slide9.xml><?xml version="1.0" encoding="utf-8"?>
 <p:sld xmlns:a="http://schemas.openxmlformats.org/drawingml/2006/main" xmlns:r="http://schemas.openxmlformats.org/officeDocument/2006/relationships" xmlns:p="http://schemas.openxmlformats.org/presentationml/2006/main">
   <p:cSld>
@@ -7888,7 +7714,7 @@
           <a:lstStyle/>
           <a:p>
             <a:r>
-              <a:rPr lang="pl-PL" dirty="0" smtClean="0"/>
+              <a:rPr lang="pl-PL" dirty="0"/>
               <a:t>C# 1.0 (Visual Studio 2002)</a:t>
             </a:r>
             <a:endParaRPr lang="en-US" dirty="0"/>
@@ -7913,11 +7739,11 @@
           <a:lstStyle/>
           <a:p>
             <a:r>
-              <a:rPr lang="pl-PL" dirty="0" smtClean="0"/>
+              <a:rPr lang="pl-PL" dirty="0"/>
               <a:t>S</a:t>
             </a:r>
             <a:r>
-              <a:rPr lang="en-US" dirty="0" err="1" smtClean="0"/>
+              <a:rPr lang="en-US" dirty="0" err="1"/>
               <a:t>imple</a:t>
             </a:r>
             <a:r>
@@ -7925,80 +7751,80 @@
               <a:t>, modern, general-purpose object-oriented </a:t>
             </a:r>
             <a:r>
-              <a:rPr lang="en-US" dirty="0" err="1" smtClean="0"/>
+              <a:rPr lang="en-US" dirty="0" err="1"/>
               <a:t>languag</a:t>
             </a:r>
             <a:r>
-              <a:rPr lang="pl-PL" dirty="0" smtClean="0"/>
+              <a:rPr lang="pl-PL" dirty="0"/>
               <a:t>e.</a:t>
             </a:r>
           </a:p>
           <a:p>
             <a:r>
-              <a:rPr lang="pl-PL" dirty="0" err="1" smtClean="0"/>
+              <a:rPr lang="pl-PL" dirty="0" err="1"/>
               <a:t>Classes</a:t>
             </a:r>
             <a:r>
-              <a:rPr lang="pl-PL" dirty="0" smtClean="0"/>
+              <a:rPr lang="pl-PL" dirty="0"/>
               <a:t>, </a:t>
             </a:r>
             <a:r>
-              <a:rPr lang="pl-PL" dirty="0" err="1" smtClean="0"/>
+              <a:rPr lang="pl-PL" dirty="0" err="1"/>
               <a:t>structs</a:t>
             </a:r>
             <a:r>
-              <a:rPr lang="pl-PL" dirty="0" smtClean="0"/>
+              <a:rPr lang="pl-PL" dirty="0"/>
               <a:t>, </a:t>
             </a:r>
             <a:r>
-              <a:rPr lang="pl-PL" dirty="0" err="1" smtClean="0"/>
+              <a:rPr lang="pl-PL" dirty="0" err="1"/>
               <a:t>interfaces</a:t>
             </a:r>
             <a:r>
-              <a:rPr lang="pl-PL" dirty="0" smtClean="0"/>
+              <a:rPr lang="pl-PL" dirty="0"/>
               <a:t>, </a:t>
             </a:r>
             <a:r>
-              <a:rPr lang="pl-PL" dirty="0" err="1" smtClean="0"/>
+              <a:rPr lang="pl-PL" dirty="0" err="1"/>
               <a:t>events</a:t>
             </a:r>
             <a:r>
-              <a:rPr lang="pl-PL" dirty="0" smtClean="0"/>
+              <a:rPr lang="pl-PL" dirty="0"/>
               <a:t>, </a:t>
             </a:r>
             <a:r>
-              <a:rPr lang="pl-PL" dirty="0" err="1" smtClean="0"/>
+              <a:rPr lang="pl-PL" dirty="0" err="1"/>
               <a:t>properties</a:t>
             </a:r>
             <a:r>
-              <a:rPr lang="pl-PL" dirty="0" smtClean="0"/>
+              <a:rPr lang="pl-PL" dirty="0"/>
               <a:t>, </a:t>
             </a:r>
             <a:r>
-              <a:rPr lang="pl-PL" dirty="0" err="1" smtClean="0"/>
+              <a:rPr lang="pl-PL" dirty="0" err="1"/>
               <a:t>delegates</a:t>
             </a:r>
             <a:r>
-              <a:rPr lang="pl-PL" dirty="0" smtClean="0"/>
+              <a:rPr lang="pl-PL" dirty="0"/>
               <a:t>, </a:t>
             </a:r>
             <a:r>
-              <a:rPr lang="pl-PL" dirty="0" err="1" smtClean="0"/>
+              <a:rPr lang="pl-PL" dirty="0" err="1"/>
               <a:t>operators</a:t>
             </a:r>
             <a:r>
-              <a:rPr lang="pl-PL" dirty="0" smtClean="0"/>
+              <a:rPr lang="pl-PL" dirty="0"/>
               <a:t>, </a:t>
             </a:r>
             <a:r>
-              <a:rPr lang="pl-PL" dirty="0" err="1" smtClean="0"/>
+              <a:rPr lang="pl-PL" dirty="0" err="1"/>
               <a:t>attributes</a:t>
             </a:r>
-            <a:endParaRPr lang="pl-PL" dirty="0" smtClean="0"/>
-          </a:p>
-          <a:p>
-            <a:r>
-              <a:rPr lang="pl-PL" dirty="0" smtClean="0"/>
+            <a:endParaRPr lang="pl-PL" dirty="0"/>
+          </a:p>
+          <a:p>
+            <a:r>
+              <a:rPr lang="pl-PL" dirty="0"/>
               <a:t>Koledzy: Visual Basic .NET, C#, J#, Jscript.NET</a:t>
             </a:r>
           </a:p>
@@ -8006,7 +7832,7 @@
             <a:pPr marL="0" indent="0">
               <a:buNone/>
             </a:pPr>
-            <a:endParaRPr lang="pl-PL" i="1" dirty="0" smtClean="0">
+            <a:endParaRPr lang="pl-PL" i="1" dirty="0">
               <a:solidFill>
                 <a:schemeClr val="accent2"/>
               </a:solidFill>
@@ -8611,7 +8437,7 @@
   <a:extraClrSchemeLst/>
   <a:extLst>
     <a:ext uri="{05A4C25C-085E-4340-85A3-A5531E510DB2}">
-      <thm15:themeFamily xmlns:thm15="http://schemas.microsoft.com/office/thememl/2012/main" xmlns="" name="Office Theme" id="{62F939B6-93AF-4DB8-9C6B-D6C7DFDC589F}" vid="{4A3C46E8-61CC-4603-A589-7422A47A8E4A}"/>
+      <thm15:themeFamily xmlns:thm15="http://schemas.microsoft.com/office/thememl/2012/main" name="Office Theme" id="{62F939B6-93AF-4DB8-9C6B-D6C7DFDC589F}" vid="{4A3C46E8-61CC-4603-A589-7422A47A8E4A}"/>
     </a:ext>
   </a:extLst>
 </a:theme>

--- a/docs/C# Quo vadis v2.pptx
+++ b/docs/C# Quo vadis v2.pptx
@@ -4435,6 +4435,77 @@
             <a:pPr lvl="1"/>
             <a:r>
               <a:rPr lang="pl-PL" dirty="0"/>
+              <a:t>Extension </a:t>
+            </a:r>
+            <a:r>
+              <a:rPr lang="pl-PL" dirty="0" err="1"/>
+              <a:t>methods</a:t>
+            </a:r>
+            <a:endParaRPr lang="pl-PL" dirty="0"/>
+          </a:p>
+          <a:p>
+            <a:pPr lvl="1"/>
+            <a:r>
+              <a:rPr lang="pl-PL" dirty="0" err="1"/>
+              <a:t>Anonymous</a:t>
+            </a:r>
+            <a:r>
+              <a:rPr lang="pl-PL" dirty="0"/>
+              <a:t> </a:t>
+            </a:r>
+            <a:r>
+              <a:rPr lang="pl-PL" dirty="0" err="1"/>
+              <a:t>types</a:t>
+            </a:r>
+            <a:endParaRPr lang="pl-PL" dirty="0"/>
+          </a:p>
+          <a:p>
+            <a:pPr lvl="1"/>
+            <a:r>
+              <a:rPr lang="pl-PL" dirty="0" err="1"/>
+              <a:t>Implicitly</a:t>
+            </a:r>
+            <a:r>
+              <a:rPr lang="pl-PL" dirty="0"/>
+              <a:t> </a:t>
+            </a:r>
+            <a:r>
+              <a:rPr lang="pl-PL" dirty="0" err="1"/>
+              <a:t>typed</a:t>
+            </a:r>
+            <a:r>
+              <a:rPr lang="pl-PL" dirty="0"/>
+              <a:t> </a:t>
+            </a:r>
+            <a:r>
+              <a:rPr lang="pl-PL" dirty="0" err="1"/>
+              <a:t>local</a:t>
+            </a:r>
+            <a:r>
+              <a:rPr lang="pl-PL" dirty="0"/>
+              <a:t> </a:t>
+            </a:r>
+            <a:r>
+              <a:rPr lang="pl-PL" dirty="0" err="1"/>
+              <a:t>variables</a:t>
+            </a:r>
+            <a:r>
+              <a:rPr lang="pl-PL" dirty="0"/>
+              <a:t> (</a:t>
+            </a:r>
+            <a:r>
+              <a:rPr lang="pl-PL" dirty="0" err="1"/>
+              <a:t>var</a:t>
+            </a:r>
+            <a:r>
+              <a:rPr lang="pl-PL" dirty="0"/>
+              <a:t>!)</a:t>
+            </a:r>
+          </a:p>
+          <a:p>
+            <a:pPr lvl="1"/>
+            <a:r>
+              <a:rPr lang="pl-PL" dirty="0"/>
               <a:t>Query </a:t>
             </a:r>
             <a:r>
@@ -4442,65 +4513,6 @@
               <a:t>expressions</a:t>
             </a:r>
             <a:endParaRPr lang="pl-PL" dirty="0"/>
-          </a:p>
-          <a:p>
-            <a:pPr lvl="1"/>
-            <a:r>
-              <a:rPr lang="pl-PL" dirty="0" err="1"/>
-              <a:t>Anonymous</a:t>
-            </a:r>
-            <a:r>
-              <a:rPr lang="pl-PL" dirty="0"/>
-              <a:t> </a:t>
-            </a:r>
-            <a:r>
-              <a:rPr lang="pl-PL" dirty="0" err="1"/>
-              <a:t>types</a:t>
-            </a:r>
-            <a:endParaRPr lang="pl-PL" dirty="0"/>
-          </a:p>
-          <a:p>
-            <a:pPr lvl="1"/>
-            <a:r>
-              <a:rPr lang="pl-PL" dirty="0" err="1"/>
-              <a:t>Implicitly</a:t>
-            </a:r>
-            <a:r>
-              <a:rPr lang="pl-PL" dirty="0"/>
-              <a:t> </a:t>
-            </a:r>
-            <a:r>
-              <a:rPr lang="pl-PL" dirty="0" err="1"/>
-              <a:t>typed</a:t>
-            </a:r>
-            <a:r>
-              <a:rPr lang="pl-PL" dirty="0"/>
-              <a:t> </a:t>
-            </a:r>
-            <a:r>
-              <a:rPr lang="pl-PL" dirty="0" err="1"/>
-              <a:t>local</a:t>
-            </a:r>
-            <a:r>
-              <a:rPr lang="pl-PL" dirty="0"/>
-              <a:t> </a:t>
-            </a:r>
-            <a:r>
-              <a:rPr lang="pl-PL" dirty="0" err="1"/>
-              <a:t>variables</a:t>
-            </a:r>
-            <a:r>
-              <a:rPr lang="pl-PL" dirty="0"/>
-              <a:t> (</a:t>
-            </a:r>
-            <a:r>
-              <a:rPr lang="pl-PL" dirty="0" err="1"/>
-              <a:t>var</a:t>
-            </a:r>
-            <a:r>
-              <a:rPr lang="pl-PL" dirty="0"/>
-              <a:t>!)</a:t>
-            </a:r>
           </a:p>
           <a:p>
             <a:r>
